--- a/Document/1_Req/Sicco_requirement_20141008.pptx
+++ b/Document/1_Req/Sicco_requirement_20141008.pptx
@@ -268,7 +268,7 @@
             <a:fld id="{9B94B481-3E0A-4242-9A8D-3E3A61947AD1}" type="datetimeFigureOut">
               <a:rPr lang="vi-VN" smtClean="0"/>
               <a:pPr/>
-              <a:t>07/10/2014</a:t>
+              <a:t>09/10/2014</a:t>
             </a:fld>
             <a:endParaRPr lang="vi-VN"/>
           </a:p>
@@ -440,7 +440,7 @@
             <a:fld id="{9B94B481-3E0A-4242-9A8D-3E3A61947AD1}" type="datetimeFigureOut">
               <a:rPr lang="vi-VN" smtClean="0"/>
               <a:pPr/>
-              <a:t>07/10/2014</a:t>
+              <a:t>09/10/2014</a:t>
             </a:fld>
             <a:endParaRPr lang="vi-VN"/>
           </a:p>
@@ -622,7 +622,7 @@
             <a:fld id="{9B94B481-3E0A-4242-9A8D-3E3A61947AD1}" type="datetimeFigureOut">
               <a:rPr lang="vi-VN" smtClean="0"/>
               <a:pPr/>
-              <a:t>07/10/2014</a:t>
+              <a:t>09/10/2014</a:t>
             </a:fld>
             <a:endParaRPr lang="vi-VN"/>
           </a:p>
@@ -794,7 +794,7 @@
             <a:fld id="{9B94B481-3E0A-4242-9A8D-3E3A61947AD1}" type="datetimeFigureOut">
               <a:rPr lang="vi-VN" smtClean="0"/>
               <a:pPr/>
-              <a:t>07/10/2014</a:t>
+              <a:t>09/10/2014</a:t>
             </a:fld>
             <a:endParaRPr lang="vi-VN"/>
           </a:p>
@@ -1042,7 +1042,7 @@
             <a:fld id="{9B94B481-3E0A-4242-9A8D-3E3A61947AD1}" type="datetimeFigureOut">
               <a:rPr lang="vi-VN" smtClean="0"/>
               <a:pPr/>
-              <a:t>07/10/2014</a:t>
+              <a:t>09/10/2014</a:t>
             </a:fld>
             <a:endParaRPr lang="vi-VN"/>
           </a:p>
@@ -1276,7 +1276,7 @@
             <a:fld id="{9B94B481-3E0A-4242-9A8D-3E3A61947AD1}" type="datetimeFigureOut">
               <a:rPr lang="vi-VN" smtClean="0"/>
               <a:pPr/>
-              <a:t>07/10/2014</a:t>
+              <a:t>09/10/2014</a:t>
             </a:fld>
             <a:endParaRPr lang="vi-VN"/>
           </a:p>
@@ -1645,7 +1645,7 @@
             <a:fld id="{9B94B481-3E0A-4242-9A8D-3E3A61947AD1}" type="datetimeFigureOut">
               <a:rPr lang="vi-VN" smtClean="0"/>
               <a:pPr/>
-              <a:t>07/10/2014</a:t>
+              <a:t>09/10/2014</a:t>
             </a:fld>
             <a:endParaRPr lang="vi-VN"/>
           </a:p>
@@ -1765,7 +1765,7 @@
             <a:fld id="{9B94B481-3E0A-4242-9A8D-3E3A61947AD1}" type="datetimeFigureOut">
               <a:rPr lang="vi-VN" smtClean="0"/>
               <a:pPr/>
-              <a:t>07/10/2014</a:t>
+              <a:t>09/10/2014</a:t>
             </a:fld>
             <a:endParaRPr lang="vi-VN"/>
           </a:p>
@@ -1862,7 +1862,7 @@
             <a:fld id="{9B94B481-3E0A-4242-9A8D-3E3A61947AD1}" type="datetimeFigureOut">
               <a:rPr lang="vi-VN" smtClean="0"/>
               <a:pPr/>
-              <a:t>07/10/2014</a:t>
+              <a:t>09/10/2014</a:t>
             </a:fld>
             <a:endParaRPr lang="vi-VN"/>
           </a:p>
@@ -2141,7 +2141,7 @@
             <a:fld id="{9B94B481-3E0A-4242-9A8D-3E3A61947AD1}" type="datetimeFigureOut">
               <a:rPr lang="vi-VN" smtClean="0"/>
               <a:pPr/>
-              <a:t>07/10/2014</a:t>
+              <a:t>09/10/2014</a:t>
             </a:fld>
             <a:endParaRPr lang="vi-VN"/>
           </a:p>
@@ -2396,7 +2396,7 @@
             <a:fld id="{9B94B481-3E0A-4242-9A8D-3E3A61947AD1}" type="datetimeFigureOut">
               <a:rPr lang="vi-VN" smtClean="0"/>
               <a:pPr/>
-              <a:t>07/10/2014</a:t>
+              <a:t>09/10/2014</a:t>
             </a:fld>
             <a:endParaRPr lang="vi-VN"/>
           </a:p>
@@ -2611,7 +2611,7 @@
             <a:fld id="{9B94B481-3E0A-4242-9A8D-3E3A61947AD1}" type="datetimeFigureOut">
               <a:rPr lang="vi-VN" smtClean="0"/>
               <a:pPr/>
-              <a:t>07/10/2014</a:t>
+              <a:t>09/10/2014</a:t>
             </a:fld>
             <a:endParaRPr lang="vi-VN"/>
           </a:p>
@@ -5527,11 +5527,7 @@
             </a:r>
             <a:r>
               <a:rPr lang="en-US" dirty="0" smtClean="0"/>
-              <a:t>: </a:t>
-            </a:r>
-            <a:r>
-              <a:rPr lang="en-US" dirty="0" smtClean="0"/>
-              <a:t>dialog </a:t>
+              <a:t>: dialog </a:t>
             </a:r>
             <a:r>
               <a:rPr lang="en-US" dirty="0" err="1" smtClean="0"/>
@@ -5825,12 +5821,8 @@
               <a:t> </a:t>
             </a:r>
             <a:r>
-              <a:rPr lang="en-US" dirty="0" err="1" smtClean="0"/>
-              <a:t>uploand</a:t>
-            </a:r>
-            <a:r>
-              <a:rPr lang="en-US" dirty="0" smtClean="0"/>
-              <a:t> </a:t>
+              <a:rPr lang="en-US" dirty="0" smtClean="0"/>
+              <a:t>upload </a:t>
             </a:r>
             <a:r>
               <a:rPr lang="en-US" dirty="0" err="1" smtClean="0"/>
@@ -9719,411 +9711,411 @@
           <a:lstStyle/>
           <a:p>
             <a:r>
-              <a:rPr lang="en-US" err="1" smtClean="0"/>
+              <a:rPr lang="en-US" dirty="0" err="1" smtClean="0"/>
               <a:t>Yêu</a:t>
             </a:r>
             <a:r>
-              <a:rPr lang="en-US" smtClean="0"/>
-              <a:t> </a:t>
-            </a:r>
-            <a:r>
-              <a:rPr lang="en-US" err="1" smtClean="0"/>
+              <a:rPr lang="en-US" dirty="0" smtClean="0"/>
+              <a:t> </a:t>
+            </a:r>
+            <a:r>
+              <a:rPr lang="en-US" dirty="0" err="1" smtClean="0"/>
               <a:t>cầu</a:t>
             </a:r>
             <a:r>
-              <a:rPr lang="en-US" smtClean="0"/>
+              <a:rPr lang="en-US" dirty="0" smtClean="0"/>
               <a:t>: </a:t>
             </a:r>
           </a:p>
           <a:p>
             <a:r>
-              <a:rPr lang="en-US" smtClean="0"/>
+              <a:rPr lang="en-US" dirty="0" smtClean="0"/>
               <a:t>+ </a:t>
             </a:r>
             <a:r>
-              <a:rPr lang="en-US" err="1" smtClean="0"/>
+              <a:rPr lang="en-US" dirty="0" err="1" smtClean="0"/>
               <a:t>Các</a:t>
             </a:r>
             <a:r>
-              <a:rPr lang="en-US" smtClean="0"/>
-              <a:t> </a:t>
-            </a:r>
-            <a:r>
-              <a:rPr lang="en-US" err="1" smtClean="0"/>
+              <a:rPr lang="en-US" dirty="0" smtClean="0"/>
+              <a:t> </a:t>
+            </a:r>
+            <a:r>
+              <a:rPr lang="en-US" dirty="0" err="1" smtClean="0"/>
               <a:t>cảnh</a:t>
             </a:r>
             <a:r>
-              <a:rPr lang="en-US" smtClean="0"/>
-              <a:t> </a:t>
-            </a:r>
-            <a:r>
-              <a:rPr lang="en-US" err="1" smtClean="0"/>
+              <a:rPr lang="en-US" dirty="0" smtClean="0"/>
+              <a:t> </a:t>
+            </a:r>
+            <a:r>
+              <a:rPr lang="en-US" dirty="0" err="1" smtClean="0"/>
               <a:t>báo</a:t>
             </a:r>
             <a:r>
-              <a:rPr lang="en-US" smtClean="0"/>
-              <a:t> </a:t>
-            </a:r>
-            <a:r>
-              <a:rPr lang="en-US" err="1" smtClean="0"/>
+              <a:rPr lang="en-US" dirty="0" smtClean="0"/>
+              <a:t> </a:t>
+            </a:r>
+            <a:r>
+              <a:rPr lang="en-US" dirty="0" err="1" smtClean="0"/>
               <a:t>được</a:t>
             </a:r>
             <a:r>
-              <a:rPr lang="en-US" smtClean="0"/>
-              <a:t> </a:t>
-            </a:r>
-            <a:r>
-              <a:rPr lang="en-US" err="1" smtClean="0"/>
+              <a:rPr lang="en-US" dirty="0" smtClean="0"/>
+              <a:t> </a:t>
+            </a:r>
+            <a:r>
+              <a:rPr lang="en-US" dirty="0" err="1" smtClean="0"/>
               <a:t>sắp</a:t>
             </a:r>
             <a:r>
-              <a:rPr lang="en-US" smtClean="0"/>
-              <a:t> </a:t>
-            </a:r>
-            <a:r>
-              <a:rPr lang="en-US" err="1" smtClean="0"/>
+              <a:rPr lang="en-US" dirty="0" smtClean="0"/>
+              <a:t> </a:t>
+            </a:r>
+            <a:r>
+              <a:rPr lang="en-US" dirty="0" err="1" smtClean="0"/>
               <a:t>xếp</a:t>
             </a:r>
             <a:r>
-              <a:rPr lang="en-US" smtClean="0"/>
-              <a:t> </a:t>
-            </a:r>
-            <a:r>
-              <a:rPr lang="en-US" err="1" smtClean="0"/>
+              <a:rPr lang="en-US" dirty="0" smtClean="0"/>
+              <a:t> </a:t>
+            </a:r>
+            <a:r>
+              <a:rPr lang="en-US" dirty="0" err="1" smtClean="0"/>
               <a:t>theo</a:t>
             </a:r>
             <a:r>
-              <a:rPr lang="en-US" smtClean="0"/>
-              <a:t> </a:t>
-            </a:r>
-            <a:r>
-              <a:rPr lang="en-US" err="1" smtClean="0"/>
+              <a:rPr lang="en-US" dirty="0" smtClean="0"/>
+              <a:t> </a:t>
+            </a:r>
+            <a:r>
+              <a:rPr lang="en-US" dirty="0" err="1" smtClean="0"/>
               <a:t>thời</a:t>
             </a:r>
             <a:r>
-              <a:rPr lang="en-US" smtClean="0"/>
-              <a:t> </a:t>
-            </a:r>
-            <a:r>
-              <a:rPr lang="en-US" err="1" smtClean="0"/>
+              <a:rPr lang="en-US" dirty="0" smtClean="0"/>
+              <a:t> </a:t>
+            </a:r>
+            <a:r>
+              <a:rPr lang="en-US" dirty="0" err="1" smtClean="0"/>
               <a:t>gian</a:t>
             </a:r>
             <a:r>
-              <a:rPr lang="en-US" smtClean="0"/>
-              <a:t> </a:t>
-            </a:r>
-            <a:r>
-              <a:rPr lang="en-US" err="1" smtClean="0"/>
+              <a:rPr lang="en-US" dirty="0" smtClean="0"/>
+              <a:t> </a:t>
+            </a:r>
+            <a:r>
+              <a:rPr lang="en-US" dirty="0" err="1" smtClean="0"/>
               <a:t>nhận</a:t>
             </a:r>
             <a:r>
-              <a:rPr lang="en-US" smtClean="0"/>
-              <a:t> </a:t>
-            </a:r>
-            <a:r>
-              <a:rPr lang="en-US" err="1" smtClean="0"/>
+              <a:rPr lang="en-US" dirty="0" smtClean="0"/>
+              <a:t> </a:t>
+            </a:r>
+            <a:r>
+              <a:rPr lang="en-US" dirty="0" err="1" smtClean="0"/>
               <a:t>được</a:t>
             </a:r>
-            <a:endParaRPr lang="en-US" smtClean="0"/>
-          </a:p>
-          <a:p>
-            <a:r>
-              <a:rPr lang="en-US" smtClean="0"/>
+            <a:endParaRPr lang="en-US" dirty="0" smtClean="0"/>
+          </a:p>
+          <a:p>
+            <a:r>
+              <a:rPr lang="en-US" dirty="0" smtClean="0"/>
               <a:t>+ </a:t>
             </a:r>
             <a:r>
-              <a:rPr lang="en-US" err="1" smtClean="0"/>
+              <a:rPr lang="en-US" dirty="0" err="1" smtClean="0"/>
               <a:t>Có</a:t>
             </a:r>
             <a:r>
-              <a:rPr lang="en-US" smtClean="0"/>
-              <a:t> </a:t>
-            </a:r>
-            <a:r>
-              <a:rPr lang="en-US" err="1" smtClean="0"/>
+              <a:rPr lang="en-US" dirty="0" smtClean="0"/>
+              <a:t> </a:t>
+            </a:r>
+            <a:r>
+              <a:rPr lang="en-US" dirty="0" err="1" smtClean="0"/>
               <a:t>đổi</a:t>
             </a:r>
             <a:r>
-              <a:rPr lang="en-US" smtClean="0"/>
-              <a:t> </a:t>
-            </a:r>
-            <a:r>
-              <a:rPr lang="en-US" err="1" smtClean="0"/>
+              <a:rPr lang="en-US" dirty="0" smtClean="0"/>
+              <a:t> </a:t>
+            </a:r>
+            <a:r>
+              <a:rPr lang="en-US" dirty="0" err="1" smtClean="0"/>
               <a:t>màu</a:t>
             </a:r>
             <a:r>
-              <a:rPr lang="en-US" smtClean="0"/>
-              <a:t> </a:t>
-            </a:r>
-            <a:r>
-              <a:rPr lang="en-US" err="1" smtClean="0"/>
+              <a:rPr lang="en-US" dirty="0" smtClean="0"/>
+              <a:t> </a:t>
+            </a:r>
+            <a:r>
+              <a:rPr lang="en-US" dirty="0" err="1" smtClean="0"/>
               <a:t>để</a:t>
             </a:r>
             <a:r>
-              <a:rPr lang="en-US" smtClean="0"/>
-              <a:t> </a:t>
-            </a:r>
-            <a:r>
-              <a:rPr lang="en-US" err="1" smtClean="0"/>
+              <a:rPr lang="en-US" dirty="0" smtClean="0"/>
+              <a:t> </a:t>
+            </a:r>
+            <a:r>
+              <a:rPr lang="en-US" dirty="0" err="1" smtClean="0"/>
               <a:t>biết</a:t>
             </a:r>
             <a:r>
-              <a:rPr lang="en-US" smtClean="0"/>
-              <a:t> </a:t>
-            </a:r>
-            <a:r>
-              <a:rPr lang="en-US" err="1" smtClean="0"/>
+              <a:rPr lang="en-US" dirty="0" smtClean="0"/>
+              <a:t> </a:t>
+            </a:r>
+            <a:r>
+              <a:rPr lang="en-US" dirty="0" err="1" smtClean="0"/>
               <a:t>cảnh</a:t>
             </a:r>
             <a:r>
-              <a:rPr lang="en-US" smtClean="0"/>
-              <a:t> </a:t>
-            </a:r>
-            <a:r>
-              <a:rPr lang="en-US" err="1" smtClean="0"/>
+              <a:rPr lang="en-US" dirty="0" smtClean="0"/>
+              <a:t> </a:t>
+            </a:r>
+            <a:r>
+              <a:rPr lang="en-US" dirty="0" err="1" smtClean="0"/>
               <a:t>báo</a:t>
             </a:r>
             <a:r>
-              <a:rPr lang="en-US" smtClean="0"/>
-              <a:t> </a:t>
-            </a:r>
-            <a:r>
-              <a:rPr lang="en-US" err="1" smtClean="0"/>
+              <a:rPr lang="en-US" dirty="0" smtClean="0"/>
+              <a:t> </a:t>
+            </a:r>
+            <a:r>
+              <a:rPr lang="en-US" dirty="0" err="1" smtClean="0"/>
               <a:t>đã</a:t>
             </a:r>
             <a:r>
-              <a:rPr lang="en-US" smtClean="0"/>
-              <a:t> </a:t>
-            </a:r>
-            <a:r>
-              <a:rPr lang="en-US" err="1" smtClean="0"/>
+              <a:rPr lang="en-US" dirty="0" smtClean="0"/>
+              <a:t> </a:t>
+            </a:r>
+            <a:r>
+              <a:rPr lang="en-US" dirty="0" err="1" smtClean="0"/>
               <a:t>được</a:t>
             </a:r>
             <a:r>
-              <a:rPr lang="en-US" smtClean="0"/>
-              <a:t> </a:t>
-            </a:r>
-            <a:r>
-              <a:rPr lang="en-US" err="1" smtClean="0"/>
+              <a:rPr lang="en-US" dirty="0" smtClean="0"/>
+              <a:t> </a:t>
+            </a:r>
+            <a:r>
+              <a:rPr lang="en-US" dirty="0" err="1" smtClean="0"/>
               <a:t>đọc</a:t>
             </a:r>
             <a:r>
-              <a:rPr lang="en-US" smtClean="0"/>
+              <a:rPr lang="en-US" dirty="0" smtClean="0"/>
               <a:t> hay </a:t>
             </a:r>
             <a:r>
-              <a:rPr lang="en-US" err="1" smtClean="0"/>
+              <a:rPr lang="en-US" dirty="0" err="1" smtClean="0"/>
               <a:t>chưa</a:t>
             </a:r>
-            <a:endParaRPr lang="en-US" smtClean="0"/>
-          </a:p>
-          <a:p>
-            <a:r>
-              <a:rPr lang="en-US" smtClean="0"/>
+            <a:endParaRPr lang="en-US" dirty="0" smtClean="0"/>
+          </a:p>
+          <a:p>
+            <a:r>
+              <a:rPr lang="en-US" dirty="0" smtClean="0"/>
               <a:t>+ </a:t>
             </a:r>
             <a:r>
-              <a:rPr lang="en-US" err="1" smtClean="0"/>
+              <a:rPr lang="en-US" dirty="0" err="1" smtClean="0"/>
               <a:t>Bấm</a:t>
             </a:r>
             <a:r>
-              <a:rPr lang="en-US" smtClean="0"/>
-              <a:t> </a:t>
-            </a:r>
-            <a:r>
-              <a:rPr lang="en-US" err="1" smtClean="0"/>
+              <a:rPr lang="en-US" dirty="0" smtClean="0"/>
+              <a:t> </a:t>
+            </a:r>
+            <a:r>
+              <a:rPr lang="en-US" dirty="0" err="1" smtClean="0"/>
               <a:t>vào</a:t>
             </a:r>
             <a:r>
-              <a:rPr lang="en-US" smtClean="0"/>
+              <a:rPr lang="en-US" dirty="0" smtClean="0"/>
               <a:t> 1 </a:t>
             </a:r>
             <a:r>
-              <a:rPr lang="en-US" err="1" smtClean="0"/>
+              <a:rPr lang="en-US" dirty="0" err="1" smtClean="0"/>
               <a:t>cảnh</a:t>
             </a:r>
             <a:r>
-              <a:rPr lang="en-US" smtClean="0"/>
-              <a:t> </a:t>
-            </a:r>
-            <a:r>
-              <a:rPr lang="en-US" err="1" smtClean="0"/>
+              <a:rPr lang="en-US" dirty="0" smtClean="0"/>
+              <a:t> </a:t>
+            </a:r>
+            <a:r>
+              <a:rPr lang="en-US" dirty="0" err="1" smtClean="0"/>
               <a:t>báo</a:t>
             </a:r>
             <a:r>
-              <a:rPr lang="en-US" smtClean="0"/>
-              <a:t> </a:t>
-            </a:r>
-            <a:r>
-              <a:rPr lang="en-US" err="1" smtClean="0"/>
+              <a:rPr lang="en-US" dirty="0" smtClean="0"/>
+              <a:t> </a:t>
+            </a:r>
+            <a:r>
+              <a:rPr lang="en-US" dirty="0" err="1" smtClean="0"/>
               <a:t>thì</a:t>
             </a:r>
             <a:r>
-              <a:rPr lang="en-US" smtClean="0"/>
-              <a:t> </a:t>
-            </a:r>
-            <a:r>
-              <a:rPr lang="en-US" err="1" smtClean="0"/>
+              <a:rPr lang="en-US" dirty="0" smtClean="0"/>
+              <a:t> </a:t>
+            </a:r>
+            <a:r>
+              <a:rPr lang="en-US" dirty="0" err="1" smtClean="0"/>
               <a:t>mở</a:t>
             </a:r>
             <a:r>
-              <a:rPr lang="en-US" smtClean="0"/>
+              <a:rPr lang="en-US" dirty="0" smtClean="0"/>
               <a:t> link </a:t>
             </a:r>
             <a:r>
-              <a:rPr lang="en-US" err="1" smtClean="0"/>
+              <a:rPr lang="en-US" dirty="0" err="1" smtClean="0"/>
               <a:t>trên</a:t>
             </a:r>
             <a:r>
-              <a:rPr lang="en-US" smtClean="0"/>
-              <a:t> </a:t>
-            </a:r>
-            <a:r>
-              <a:rPr lang="en-US" err="1" smtClean="0"/>
+              <a:rPr lang="en-US" dirty="0" smtClean="0"/>
+              <a:t> </a:t>
+            </a:r>
+            <a:r>
+              <a:rPr lang="en-US" dirty="0" err="1" smtClean="0"/>
               <a:t>trình</a:t>
             </a:r>
             <a:r>
-              <a:rPr lang="en-US" smtClean="0"/>
-              <a:t> </a:t>
-            </a:r>
-            <a:r>
-              <a:rPr lang="en-US" err="1" smtClean="0"/>
+              <a:rPr lang="en-US" dirty="0" smtClean="0"/>
+              <a:t> </a:t>
+            </a:r>
+            <a:r>
+              <a:rPr lang="en-US" dirty="0" err="1" smtClean="0"/>
               <a:t>duyệt</a:t>
             </a:r>
-            <a:endParaRPr lang="en-US" smtClean="0"/>
-          </a:p>
-          <a:p>
-            <a:r>
-              <a:rPr lang="en-US" smtClean="0"/>
+            <a:endParaRPr lang="en-US" dirty="0" smtClean="0"/>
+          </a:p>
+          <a:p>
+            <a:r>
+              <a:rPr lang="en-US" dirty="0" smtClean="0"/>
               <a:t>+ </a:t>
             </a:r>
             <a:r>
-              <a:rPr lang="en-US" err="1" smtClean="0"/>
+              <a:rPr lang="en-US" dirty="0" err="1" smtClean="0"/>
               <a:t>Danh</a:t>
             </a:r>
             <a:r>
-              <a:rPr lang="en-US" smtClean="0"/>
-              <a:t> </a:t>
-            </a:r>
-            <a:r>
-              <a:rPr lang="en-US" err="1" smtClean="0"/>
+              <a:rPr lang="en-US" dirty="0" smtClean="0"/>
+              <a:t> </a:t>
+            </a:r>
+            <a:r>
+              <a:rPr lang="en-US" dirty="0" err="1" smtClean="0"/>
               <a:t>sách</a:t>
             </a:r>
             <a:r>
-              <a:rPr lang="en-US" smtClean="0"/>
-              <a:t> </a:t>
-            </a:r>
-            <a:r>
-              <a:rPr lang="en-US" err="1" smtClean="0"/>
+              <a:rPr lang="en-US" dirty="0" smtClean="0"/>
+              <a:t> </a:t>
+            </a:r>
+            <a:r>
+              <a:rPr lang="en-US" dirty="0" err="1" smtClean="0"/>
               <a:t>cảnh</a:t>
             </a:r>
             <a:r>
-              <a:rPr lang="en-US" smtClean="0"/>
-              <a:t> </a:t>
-            </a:r>
-            <a:r>
-              <a:rPr lang="en-US" err="1" smtClean="0"/>
+              <a:rPr lang="en-US" dirty="0" smtClean="0"/>
+              <a:t> </a:t>
+            </a:r>
+            <a:r>
+              <a:rPr lang="en-US" dirty="0" err="1" smtClean="0"/>
               <a:t>báo</a:t>
             </a:r>
             <a:r>
-              <a:rPr lang="en-US" smtClean="0"/>
-              <a:t> </a:t>
-            </a:r>
-            <a:r>
-              <a:rPr lang="en-US" err="1" smtClean="0"/>
+              <a:rPr lang="en-US" dirty="0" smtClean="0"/>
+              <a:t> </a:t>
+            </a:r>
+            <a:r>
+              <a:rPr lang="en-US" dirty="0" err="1" smtClean="0"/>
               <a:t>được</a:t>
             </a:r>
             <a:r>
-              <a:rPr lang="en-US" smtClean="0"/>
+              <a:rPr lang="en-US" dirty="0" smtClean="0"/>
               <a:t> update real time.</a:t>
             </a:r>
           </a:p>
           <a:p>
             <a:r>
-              <a:rPr lang="en-US" smtClean="0"/>
+              <a:rPr lang="en-US" dirty="0" smtClean="0"/>
               <a:t>- </a:t>
             </a:r>
             <a:r>
-              <a:rPr lang="en-US" err="1" smtClean="0"/>
+              <a:rPr lang="en-US" dirty="0" err="1" smtClean="0"/>
               <a:t>Mỗi</a:t>
             </a:r>
             <a:r>
-              <a:rPr lang="en-US" smtClean="0"/>
-              <a:t> </a:t>
-            </a:r>
-            <a:r>
-              <a:rPr lang="en-US" err="1" smtClean="0"/>
+              <a:rPr lang="en-US" dirty="0" smtClean="0"/>
+              <a:t> </a:t>
+            </a:r>
+            <a:r>
+              <a:rPr lang="en-US" dirty="0" err="1" smtClean="0"/>
               <a:t>lần</a:t>
             </a:r>
             <a:r>
-              <a:rPr lang="en-US" smtClean="0"/>
-              <a:t> </a:t>
-            </a:r>
-            <a:r>
-              <a:rPr lang="en-US" err="1" smtClean="0"/>
+              <a:rPr lang="en-US" dirty="0" smtClean="0"/>
+              <a:t> </a:t>
+            </a:r>
+            <a:r>
+              <a:rPr lang="en-US" dirty="0" err="1" smtClean="0"/>
               <a:t>bấm</a:t>
             </a:r>
             <a:r>
-              <a:rPr lang="en-US" smtClean="0"/>
-              <a:t> </a:t>
-            </a:r>
-            <a:r>
-              <a:rPr lang="en-US" err="1" smtClean="0"/>
+              <a:rPr lang="en-US" dirty="0" smtClean="0"/>
+              <a:t> </a:t>
+            </a:r>
+            <a:r>
+              <a:rPr lang="en-US" dirty="0" err="1" smtClean="0"/>
               <a:t>vào</a:t>
             </a:r>
             <a:r>
-              <a:rPr lang="en-US" smtClean="0"/>
-              <a:t> </a:t>
-            </a:r>
-            <a:r>
-              <a:rPr lang="en-US" err="1" smtClean="0"/>
+              <a:rPr lang="en-US" dirty="0" smtClean="0"/>
+              <a:t> </a:t>
+            </a:r>
+            <a:r>
+              <a:rPr lang="en-US" dirty="0" err="1" smtClean="0"/>
               <a:t>cảnh</a:t>
             </a:r>
             <a:r>
-              <a:rPr lang="en-US" smtClean="0"/>
-              <a:t> </a:t>
-            </a:r>
-            <a:r>
-              <a:rPr lang="en-US" err="1" smtClean="0"/>
+              <a:rPr lang="en-US" dirty="0" smtClean="0"/>
+              <a:t> </a:t>
+            </a:r>
+            <a:r>
+              <a:rPr lang="en-US" dirty="0" err="1" smtClean="0"/>
               <a:t>báo</a:t>
             </a:r>
             <a:r>
-              <a:rPr lang="en-US" smtClean="0"/>
-              <a:t> </a:t>
-            </a:r>
-            <a:r>
-              <a:rPr lang="en-US" err="1" smtClean="0"/>
+              <a:rPr lang="en-US" dirty="0" smtClean="0"/>
+              <a:t> </a:t>
+            </a:r>
+            <a:r>
+              <a:rPr lang="en-US" dirty="0" err="1" smtClean="0"/>
               <a:t>trên</a:t>
             </a:r>
             <a:r>
-              <a:rPr lang="en-US" smtClean="0"/>
+              <a:rPr lang="en-US" dirty="0" smtClean="0"/>
               <a:t> Status Bar </a:t>
             </a:r>
             <a:r>
-              <a:rPr lang="en-US" err="1" smtClean="0"/>
+              <a:rPr lang="en-US" dirty="0" err="1" smtClean="0"/>
               <a:t>thì</a:t>
             </a:r>
             <a:r>
-              <a:rPr lang="en-US" smtClean="0"/>
+              <a:rPr lang="en-US" dirty="0" smtClean="0"/>
               <a:t> reset </a:t>
             </a:r>
             <a:r>
-              <a:rPr lang="en-US" err="1" smtClean="0"/>
+              <a:rPr lang="en-US" dirty="0" err="1" smtClean="0"/>
               <a:t>số</a:t>
             </a:r>
             <a:r>
-              <a:rPr lang="en-US" smtClean="0"/>
-              <a:t> </a:t>
-            </a:r>
-            <a:r>
-              <a:rPr lang="en-US" err="1" smtClean="0"/>
+              <a:rPr lang="en-US" dirty="0" smtClean="0"/>
+              <a:t> </a:t>
+            </a:r>
+            <a:r>
+              <a:rPr lang="en-US" dirty="0" err="1" smtClean="0"/>
               <a:t>đếm</a:t>
             </a:r>
             <a:r>
-              <a:rPr lang="en-US" smtClean="0"/>
+              <a:rPr lang="en-US" dirty="0" smtClean="0"/>
               <a:t>.</a:t>
             </a:r>
-            <a:endParaRPr lang="en-US"/>
+            <a:endParaRPr lang="en-US" dirty="0"/>
           </a:p>
         </p:txBody>
       </p:sp>
@@ -11412,453 +11404,453 @@
           <a:lstStyle/>
           <a:p>
             <a:r>
-              <a:rPr lang="en-US" err="1" smtClean="0"/>
+              <a:rPr lang="en-US" dirty="0" err="1" smtClean="0"/>
               <a:t>Yêu</a:t>
             </a:r>
             <a:r>
-              <a:rPr lang="en-US" smtClean="0"/>
-              <a:t> </a:t>
-            </a:r>
-            <a:r>
-              <a:rPr lang="en-US" err="1" smtClean="0"/>
+              <a:rPr lang="en-US" dirty="0" smtClean="0"/>
+              <a:t> </a:t>
+            </a:r>
+            <a:r>
+              <a:rPr lang="en-US" dirty="0" err="1" smtClean="0"/>
               <a:t>cầu</a:t>
             </a:r>
             <a:r>
-              <a:rPr lang="en-US" smtClean="0"/>
+              <a:rPr lang="en-US" dirty="0" smtClean="0"/>
               <a:t>: </a:t>
             </a:r>
           </a:p>
           <a:p>
             <a:r>
-              <a:rPr lang="en-US" smtClean="0"/>
+              <a:rPr lang="en-US" dirty="0" smtClean="0"/>
               <a:t>+ User </a:t>
             </a:r>
             <a:r>
-              <a:rPr lang="en-US" err="1" smtClean="0"/>
+              <a:rPr lang="en-US" dirty="0" err="1" smtClean="0"/>
               <a:t>chọn</a:t>
             </a:r>
             <a:r>
-              <a:rPr lang="en-US" smtClean="0"/>
-              <a:t> </a:t>
-            </a:r>
-            <a:r>
-              <a:rPr lang="en-US" err="1" smtClean="0"/>
+              <a:rPr lang="en-US" dirty="0" smtClean="0"/>
+              <a:t> </a:t>
+            </a:r>
+            <a:r>
+              <a:rPr lang="en-US" dirty="0" err="1" smtClean="0"/>
               <a:t>vào</a:t>
             </a:r>
             <a:r>
-              <a:rPr lang="en-US" smtClean="0"/>
+              <a:rPr lang="en-US" dirty="0" smtClean="0"/>
               <a:t> ô </a:t>
             </a:r>
             <a:r>
-              <a:rPr lang="en-US" err="1" smtClean="0"/>
+              <a:rPr lang="en-US" dirty="0" err="1" smtClean="0"/>
               <a:t>Tất</a:t>
             </a:r>
             <a:r>
-              <a:rPr lang="en-US" smtClean="0"/>
-              <a:t> </a:t>
-            </a:r>
-            <a:r>
-              <a:rPr lang="en-US" err="1" smtClean="0"/>
+              <a:rPr lang="en-US" dirty="0" smtClean="0"/>
+              <a:t> </a:t>
+            </a:r>
+            <a:r>
+              <a:rPr lang="en-US" dirty="0" err="1" smtClean="0"/>
               <a:t>cả</a:t>
             </a:r>
             <a:r>
-              <a:rPr lang="en-US" smtClean="0"/>
+              <a:rPr lang="en-US" dirty="0" smtClean="0"/>
               <a:t> =&gt; </a:t>
             </a:r>
             <a:r>
-              <a:rPr lang="en-US" err="1" smtClean="0"/>
+              <a:rPr lang="en-US" dirty="0" err="1" smtClean="0"/>
               <a:t>chọn</a:t>
             </a:r>
             <a:r>
-              <a:rPr lang="en-US" smtClean="0"/>
+              <a:rPr lang="en-US" dirty="0" smtClean="0"/>
               <a:t> 1 </a:t>
             </a:r>
             <a:r>
-              <a:rPr lang="en-US" err="1" smtClean="0"/>
+              <a:rPr lang="en-US" dirty="0" err="1" smtClean="0"/>
               <a:t>tiêu</a:t>
             </a:r>
             <a:r>
-              <a:rPr lang="en-US" smtClean="0"/>
-              <a:t> </a:t>
-            </a:r>
-            <a:r>
-              <a:rPr lang="en-US" err="1" smtClean="0"/>
+              <a:rPr lang="en-US" dirty="0" smtClean="0"/>
+              <a:t> </a:t>
+            </a:r>
+            <a:r>
+              <a:rPr lang="en-US" dirty="0" err="1" smtClean="0"/>
               <a:t>chí</a:t>
             </a:r>
             <a:r>
-              <a:rPr lang="en-US" smtClean="0"/>
-              <a:t> </a:t>
-            </a:r>
-            <a:r>
-              <a:rPr lang="en-US" err="1" smtClean="0"/>
+              <a:rPr lang="en-US" dirty="0" smtClean="0"/>
+              <a:t> </a:t>
+            </a:r>
+            <a:r>
+              <a:rPr lang="en-US" dirty="0" err="1" smtClean="0"/>
               <a:t>để</a:t>
             </a:r>
             <a:r>
-              <a:rPr lang="en-US" smtClean="0"/>
-              <a:t> </a:t>
-            </a:r>
-            <a:r>
-              <a:rPr lang="en-US" err="1" smtClean="0"/>
+              <a:rPr lang="en-US" dirty="0" smtClean="0"/>
+              <a:t> </a:t>
+            </a:r>
+            <a:r>
+              <a:rPr lang="en-US" dirty="0" err="1" smtClean="0"/>
               <a:t>tìm</a:t>
             </a:r>
             <a:r>
-              <a:rPr lang="en-US" smtClean="0"/>
-              <a:t> </a:t>
-            </a:r>
-            <a:r>
-              <a:rPr lang="en-US" err="1" smtClean="0"/>
+              <a:rPr lang="en-US" dirty="0" smtClean="0"/>
+              <a:t> </a:t>
+            </a:r>
+            <a:r>
+              <a:rPr lang="en-US" dirty="0" err="1" smtClean="0"/>
               <a:t>kiếm</a:t>
             </a:r>
-            <a:endParaRPr lang="en-US" smtClean="0"/>
-          </a:p>
-          <a:p>
-            <a:r>
-              <a:rPr lang="en-US" smtClean="0"/>
+            <a:endParaRPr lang="en-US" dirty="0" smtClean="0"/>
+          </a:p>
+          <a:p>
+            <a:r>
+              <a:rPr lang="en-US" dirty="0" smtClean="0"/>
               <a:t>+ </a:t>
             </a:r>
             <a:r>
-              <a:rPr lang="en-US" err="1" smtClean="0"/>
+              <a:rPr lang="en-US" dirty="0" err="1" smtClean="0"/>
               <a:t>Các</a:t>
             </a:r>
             <a:r>
-              <a:rPr lang="en-US" smtClean="0"/>
-              <a:t> </a:t>
-            </a:r>
-            <a:r>
-              <a:rPr lang="en-US" err="1" smtClean="0"/>
+              <a:rPr lang="en-US" dirty="0" smtClean="0"/>
+              <a:t> </a:t>
+            </a:r>
+            <a:r>
+              <a:rPr lang="en-US" dirty="0" err="1" smtClean="0"/>
               <a:t>tiêu</a:t>
             </a:r>
             <a:r>
-              <a:rPr lang="en-US" smtClean="0"/>
-              <a:t> </a:t>
-            </a:r>
-            <a:r>
-              <a:rPr lang="en-US" err="1" smtClean="0"/>
+              <a:rPr lang="en-US" dirty="0" smtClean="0"/>
+              <a:t> </a:t>
+            </a:r>
+            <a:r>
+              <a:rPr lang="en-US" dirty="0" err="1" smtClean="0"/>
               <a:t>chí</a:t>
             </a:r>
             <a:r>
-              <a:rPr lang="en-US" smtClean="0"/>
-              <a:t> </a:t>
-            </a:r>
-            <a:r>
-              <a:rPr lang="en-US" err="1" smtClean="0"/>
+              <a:rPr lang="en-US" dirty="0" smtClean="0"/>
+              <a:t> </a:t>
+            </a:r>
+            <a:r>
+              <a:rPr lang="en-US" dirty="0" err="1" smtClean="0"/>
               <a:t>có</a:t>
             </a:r>
             <a:r>
-              <a:rPr lang="en-US" smtClean="0"/>
-              <a:t> </a:t>
-            </a:r>
-            <a:r>
-              <a:rPr lang="en-US" err="1" smtClean="0"/>
+              <a:rPr lang="en-US" dirty="0" smtClean="0"/>
+              <a:t> </a:t>
+            </a:r>
+            <a:r>
+              <a:rPr lang="en-US" dirty="0" err="1" smtClean="0"/>
               <a:t>thể</a:t>
             </a:r>
             <a:r>
-              <a:rPr lang="en-US" smtClean="0"/>
-              <a:t> </a:t>
-            </a:r>
-            <a:r>
-              <a:rPr lang="en-US" err="1" smtClean="0"/>
+              <a:rPr lang="en-US" dirty="0" smtClean="0"/>
+              <a:t> </a:t>
+            </a:r>
+            <a:r>
+              <a:rPr lang="en-US" dirty="0" err="1" smtClean="0"/>
               <a:t>lựa</a:t>
             </a:r>
             <a:r>
-              <a:rPr lang="en-US" smtClean="0"/>
-              <a:t> </a:t>
-            </a:r>
-            <a:r>
-              <a:rPr lang="en-US" err="1" smtClean="0"/>
+              <a:rPr lang="en-US" dirty="0" smtClean="0"/>
+              <a:t> </a:t>
+            </a:r>
+            <a:r>
+              <a:rPr lang="en-US" dirty="0" err="1" smtClean="0"/>
               <a:t>chọn</a:t>
             </a:r>
             <a:r>
-              <a:rPr lang="en-US" smtClean="0"/>
-              <a:t> </a:t>
-            </a:r>
-            <a:r>
-              <a:rPr lang="en-US" err="1" smtClean="0"/>
+              <a:rPr lang="en-US" dirty="0" smtClean="0"/>
+              <a:t> </a:t>
+            </a:r>
+            <a:r>
+              <a:rPr lang="en-US" dirty="0" err="1" smtClean="0"/>
               <a:t>để</a:t>
             </a:r>
             <a:r>
-              <a:rPr lang="en-US" smtClean="0"/>
-              <a:t> </a:t>
-            </a:r>
-            <a:r>
-              <a:rPr lang="en-US" err="1" smtClean="0"/>
+              <a:rPr lang="en-US" dirty="0" smtClean="0"/>
+              <a:t> </a:t>
+            </a:r>
+            <a:r>
+              <a:rPr lang="en-US" dirty="0" err="1" smtClean="0"/>
               <a:t>tìm</a:t>
             </a:r>
             <a:r>
-              <a:rPr lang="en-US" smtClean="0"/>
-              <a:t> </a:t>
-            </a:r>
-            <a:r>
-              <a:rPr lang="en-US" err="1" smtClean="0"/>
+              <a:rPr lang="en-US" dirty="0" smtClean="0"/>
+              <a:t> </a:t>
+            </a:r>
+            <a:r>
+              <a:rPr lang="en-US" dirty="0" err="1" smtClean="0"/>
               <a:t>kiếm</a:t>
             </a:r>
             <a:r>
-              <a:rPr lang="en-US" smtClean="0"/>
+              <a:rPr lang="en-US" dirty="0" smtClean="0"/>
               <a:t>: </a:t>
             </a:r>
             <a:r>
-              <a:rPr lang="en-US" err="1" smtClean="0"/>
+              <a:rPr lang="en-US" dirty="0" err="1" smtClean="0"/>
               <a:t>Tên</a:t>
             </a:r>
             <a:r>
-              <a:rPr lang="en-US" smtClean="0"/>
-              <a:t> </a:t>
-            </a:r>
-            <a:r>
-              <a:rPr lang="en-US" err="1" smtClean="0"/>
+              <a:rPr lang="en-US" dirty="0" smtClean="0"/>
+              <a:t> </a:t>
+            </a:r>
+            <a:r>
+              <a:rPr lang="en-US" dirty="0" err="1" smtClean="0"/>
               <a:t>công</a:t>
             </a:r>
             <a:r>
-              <a:rPr lang="en-US" smtClean="0"/>
-              <a:t> </a:t>
-            </a:r>
-            <a:r>
-              <a:rPr lang="en-US" err="1" smtClean="0"/>
+              <a:rPr lang="en-US" dirty="0" smtClean="0"/>
+              <a:t> </a:t>
+            </a:r>
+            <a:r>
+              <a:rPr lang="en-US" dirty="0" err="1" smtClean="0"/>
               <a:t>việc</a:t>
             </a:r>
             <a:r>
-              <a:rPr lang="en-US" smtClean="0"/>
+              <a:rPr lang="en-US" dirty="0" smtClean="0"/>
               <a:t>, </a:t>
             </a:r>
             <a:r>
-              <a:rPr lang="en-US" err="1" smtClean="0"/>
+              <a:rPr lang="en-US" dirty="0" err="1" smtClean="0"/>
               <a:t>Người</a:t>
             </a:r>
             <a:r>
-              <a:rPr lang="en-US" smtClean="0"/>
-              <a:t> </a:t>
-            </a:r>
-            <a:r>
-              <a:rPr lang="en-US" err="1" smtClean="0"/>
+              <a:rPr lang="en-US" dirty="0" smtClean="0"/>
+              <a:t> </a:t>
+            </a:r>
+            <a:r>
+              <a:rPr lang="en-US" dirty="0" err="1" smtClean="0"/>
               <a:t>giao</a:t>
             </a:r>
             <a:r>
-              <a:rPr lang="en-US" smtClean="0"/>
+              <a:rPr lang="en-US" dirty="0" smtClean="0"/>
               <a:t>, </a:t>
             </a:r>
             <a:r>
-              <a:rPr lang="en-US" err="1" smtClean="0"/>
+              <a:rPr lang="en-US" dirty="0" err="1" smtClean="0"/>
               <a:t>Người</a:t>
             </a:r>
             <a:r>
-              <a:rPr lang="en-US" smtClean="0"/>
-              <a:t> </a:t>
-            </a:r>
-            <a:r>
-              <a:rPr lang="en-US" err="1" smtClean="0"/>
+              <a:rPr lang="en-US" dirty="0" smtClean="0"/>
+              <a:t> </a:t>
+            </a:r>
+            <a:r>
+              <a:rPr lang="en-US" dirty="0" err="1" smtClean="0"/>
               <a:t>được</a:t>
             </a:r>
             <a:r>
-              <a:rPr lang="en-US" smtClean="0"/>
-              <a:t> </a:t>
-            </a:r>
-            <a:r>
-              <a:rPr lang="en-US" err="1" smtClean="0"/>
+              <a:rPr lang="en-US" dirty="0" smtClean="0"/>
+              <a:t> </a:t>
+            </a:r>
+            <a:r>
+              <a:rPr lang="en-US" dirty="0" err="1" smtClean="0"/>
               <a:t>giao</a:t>
             </a:r>
             <a:r>
-              <a:rPr lang="en-US" smtClean="0"/>
+              <a:rPr lang="en-US" dirty="0" smtClean="0"/>
               <a:t>.</a:t>
             </a:r>
           </a:p>
           <a:p>
             <a:r>
-              <a:rPr lang="en-US" smtClean="0"/>
+              <a:rPr lang="en-US" dirty="0" smtClean="0"/>
               <a:t>+ </a:t>
             </a:r>
             <a:r>
-              <a:rPr lang="en-US" err="1" smtClean="0"/>
+              <a:rPr lang="en-US" dirty="0" err="1" smtClean="0"/>
               <a:t>Danh</a:t>
             </a:r>
             <a:r>
-              <a:rPr lang="en-US" smtClean="0"/>
-              <a:t> </a:t>
-            </a:r>
-            <a:r>
-              <a:rPr lang="en-US" err="1" smtClean="0"/>
+              <a:rPr lang="en-US" dirty="0" smtClean="0"/>
+              <a:t> </a:t>
+            </a:r>
+            <a:r>
+              <a:rPr lang="en-US" dirty="0" err="1" smtClean="0"/>
               <a:t>sách</a:t>
             </a:r>
             <a:r>
-              <a:rPr lang="en-US" smtClean="0"/>
-              <a:t> </a:t>
-            </a:r>
-            <a:r>
-              <a:rPr lang="en-US" err="1" smtClean="0"/>
+              <a:rPr lang="en-US" dirty="0" smtClean="0"/>
+              <a:t> </a:t>
+            </a:r>
+            <a:r>
+              <a:rPr lang="en-US" dirty="0" err="1" smtClean="0"/>
               <a:t>các</a:t>
             </a:r>
             <a:r>
-              <a:rPr lang="en-US" smtClean="0"/>
-              <a:t> </a:t>
-            </a:r>
-            <a:r>
-              <a:rPr lang="en-US" err="1" smtClean="0"/>
+              <a:rPr lang="en-US" dirty="0" smtClean="0"/>
+              <a:t> </a:t>
+            </a:r>
+            <a:r>
+              <a:rPr lang="en-US" dirty="0" err="1" smtClean="0"/>
               <a:t>công</a:t>
             </a:r>
             <a:r>
-              <a:rPr lang="en-US" smtClean="0"/>
-              <a:t> </a:t>
-            </a:r>
-            <a:r>
-              <a:rPr lang="en-US" err="1" smtClean="0"/>
+              <a:rPr lang="en-US" dirty="0" smtClean="0"/>
+              <a:t> </a:t>
+            </a:r>
+            <a:r>
+              <a:rPr lang="en-US" dirty="0" err="1" smtClean="0"/>
               <a:t>việc</a:t>
             </a:r>
             <a:r>
-              <a:rPr lang="en-US" smtClean="0"/>
-              <a:t> </a:t>
-            </a:r>
-            <a:r>
-              <a:rPr lang="en-US" err="1" smtClean="0"/>
+              <a:rPr lang="en-US" dirty="0" smtClean="0"/>
+              <a:t> </a:t>
+            </a:r>
+            <a:r>
+              <a:rPr lang="en-US" dirty="0" err="1" smtClean="0"/>
               <a:t>tìm</a:t>
             </a:r>
             <a:r>
-              <a:rPr lang="en-US" smtClean="0"/>
-              <a:t> </a:t>
-            </a:r>
-            <a:r>
-              <a:rPr lang="en-US" err="1" smtClean="0"/>
+              <a:rPr lang="en-US" dirty="0" smtClean="0"/>
+              <a:t> </a:t>
+            </a:r>
+            <a:r>
+              <a:rPr lang="en-US" dirty="0" err="1" smtClean="0"/>
               <a:t>thấy</a:t>
             </a:r>
             <a:r>
-              <a:rPr lang="en-US" smtClean="0"/>
-              <a:t> </a:t>
-            </a:r>
-            <a:r>
-              <a:rPr lang="en-US" err="1" smtClean="0"/>
+              <a:rPr lang="en-US" dirty="0" smtClean="0"/>
+              <a:t> </a:t>
+            </a:r>
+            <a:r>
+              <a:rPr lang="en-US" dirty="0" err="1" smtClean="0"/>
               <a:t>được</a:t>
             </a:r>
             <a:r>
-              <a:rPr lang="en-US" smtClean="0"/>
-              <a:t> </a:t>
-            </a:r>
-            <a:r>
-              <a:rPr lang="en-US" err="1" smtClean="0"/>
+              <a:rPr lang="en-US" dirty="0" smtClean="0"/>
+              <a:t> </a:t>
+            </a:r>
+            <a:r>
+              <a:rPr lang="en-US" dirty="0" err="1" smtClean="0"/>
               <a:t>hiển</a:t>
             </a:r>
             <a:r>
-              <a:rPr lang="en-US" smtClean="0"/>
-              <a:t> </a:t>
-            </a:r>
-            <a:r>
-              <a:rPr lang="en-US" err="1" smtClean="0"/>
+              <a:rPr lang="en-US" dirty="0" smtClean="0"/>
+              <a:t> </a:t>
+            </a:r>
+            <a:r>
+              <a:rPr lang="en-US" dirty="0" err="1" smtClean="0"/>
               <a:t>thị</a:t>
             </a:r>
             <a:r>
-              <a:rPr lang="en-US" smtClean="0"/>
-              <a:t> </a:t>
-            </a:r>
-            <a:r>
-              <a:rPr lang="en-US" err="1" smtClean="0"/>
+              <a:rPr lang="en-US" dirty="0" smtClean="0"/>
+              <a:t> </a:t>
+            </a:r>
+            <a:r>
+              <a:rPr lang="en-US" dirty="0" err="1" smtClean="0"/>
               <a:t>trong</a:t>
             </a:r>
             <a:r>
-              <a:rPr lang="en-US" smtClean="0"/>
+              <a:rPr lang="en-US" dirty="0" smtClean="0"/>
               <a:t> layout </a:t>
             </a:r>
             <a:r>
-              <a:rPr lang="en-US" err="1" smtClean="0"/>
+              <a:rPr lang="en-US" dirty="0" err="1" smtClean="0"/>
               <a:t>như</a:t>
             </a:r>
             <a:r>
-              <a:rPr lang="en-US" smtClean="0"/>
-              <a:t> </a:t>
-            </a:r>
-            <a:r>
-              <a:rPr lang="en-US" err="1" smtClean="0"/>
+              <a:rPr lang="en-US" dirty="0" smtClean="0"/>
+              <a:t> </a:t>
+            </a:r>
+            <a:r>
+              <a:rPr lang="en-US" dirty="0" err="1" smtClean="0"/>
               <a:t>hình</a:t>
             </a:r>
             <a:r>
-              <a:rPr lang="en-US" smtClean="0"/>
-              <a:t> </a:t>
-            </a:r>
-            <a:r>
-              <a:rPr lang="en-US" err="1" smtClean="0"/>
+              <a:rPr lang="en-US" dirty="0" smtClean="0"/>
+              <a:t> </a:t>
+            </a:r>
+            <a:r>
+              <a:rPr lang="en-US" dirty="0" err="1" smtClean="0"/>
               <a:t>vẽ</a:t>
             </a:r>
             <a:r>
-              <a:rPr lang="en-US" smtClean="0"/>
+              <a:rPr lang="en-US" dirty="0" smtClean="0"/>
               <a:t>: </a:t>
             </a:r>
             <a:r>
-              <a:rPr lang="en-US" err="1" smtClean="0"/>
+              <a:rPr lang="en-US" dirty="0" err="1" smtClean="0"/>
               <a:t>gồm</a:t>
             </a:r>
             <a:r>
-              <a:rPr lang="en-US" smtClean="0"/>
-              <a:t> </a:t>
-            </a:r>
-            <a:r>
-              <a:rPr lang="en-US" err="1" smtClean="0"/>
+              <a:rPr lang="en-US" dirty="0" smtClean="0"/>
+              <a:t> </a:t>
+            </a:r>
+            <a:r>
+              <a:rPr lang="en-US" dirty="0" err="1" smtClean="0"/>
               <a:t>Tên</a:t>
             </a:r>
             <a:r>
-              <a:rPr lang="en-US" smtClean="0"/>
-              <a:t> </a:t>
-            </a:r>
-            <a:r>
-              <a:rPr lang="en-US" err="1" smtClean="0"/>
+              <a:rPr lang="en-US" dirty="0" smtClean="0"/>
+              <a:t> </a:t>
+            </a:r>
+            <a:r>
+              <a:rPr lang="en-US" dirty="0" err="1" smtClean="0"/>
               <a:t>công</a:t>
             </a:r>
             <a:r>
-              <a:rPr lang="en-US" smtClean="0"/>
-              <a:t> </a:t>
-            </a:r>
-            <a:r>
-              <a:rPr lang="en-US" err="1" smtClean="0"/>
+              <a:rPr lang="en-US" dirty="0" smtClean="0"/>
+              <a:t> </a:t>
+            </a:r>
+            <a:r>
+              <a:rPr lang="en-US" dirty="0" err="1" smtClean="0"/>
               <a:t>việc</a:t>
             </a:r>
             <a:r>
-              <a:rPr lang="en-US" smtClean="0"/>
-              <a:t> </a:t>
-            </a:r>
-            <a:r>
-              <a:rPr lang="en-US" err="1" smtClean="0"/>
+              <a:rPr lang="en-US" dirty="0" smtClean="0"/>
+              <a:t> </a:t>
+            </a:r>
+            <a:r>
+              <a:rPr lang="en-US" dirty="0" err="1" smtClean="0"/>
               <a:t>và</a:t>
             </a:r>
             <a:r>
-              <a:rPr lang="en-US" smtClean="0"/>
-              <a:t> </a:t>
-            </a:r>
-            <a:r>
-              <a:rPr lang="en-US" err="1" smtClean="0"/>
+              <a:rPr lang="en-US" dirty="0" smtClean="0"/>
+              <a:t> </a:t>
+            </a:r>
+            <a:r>
+              <a:rPr lang="en-US" dirty="0" err="1" smtClean="0"/>
               <a:t>Hạn</a:t>
             </a:r>
             <a:r>
-              <a:rPr lang="en-US" smtClean="0"/>
-              <a:t> </a:t>
-            </a:r>
-            <a:r>
-              <a:rPr lang="en-US" err="1" smtClean="0"/>
+              <a:rPr lang="en-US" dirty="0" smtClean="0"/>
+              <a:t> </a:t>
+            </a:r>
+            <a:r>
+              <a:rPr lang="en-US" dirty="0" err="1" smtClean="0"/>
               <a:t>cuối</a:t>
             </a:r>
             <a:r>
-              <a:rPr lang="en-US" smtClean="0"/>
-              <a:t> </a:t>
-            </a:r>
-            <a:r>
-              <a:rPr lang="en-US" err="1" smtClean="0"/>
+              <a:rPr lang="en-US" dirty="0" smtClean="0"/>
+              <a:t> </a:t>
+            </a:r>
+            <a:r>
+              <a:rPr lang="en-US" dirty="0" err="1" smtClean="0"/>
               <a:t>của</a:t>
             </a:r>
             <a:r>
-              <a:rPr lang="en-US" smtClean="0"/>
-              <a:t> </a:t>
-            </a:r>
-            <a:r>
-              <a:rPr lang="en-US" err="1" smtClean="0"/>
+              <a:rPr lang="en-US" dirty="0" smtClean="0"/>
+              <a:t> </a:t>
+            </a:r>
+            <a:r>
+              <a:rPr lang="en-US" dirty="0" err="1" smtClean="0"/>
               <a:t>công</a:t>
             </a:r>
             <a:r>
-              <a:rPr lang="en-US" smtClean="0"/>
-              <a:t> </a:t>
-            </a:r>
-            <a:r>
-              <a:rPr lang="en-US" err="1" smtClean="0"/>
+              <a:rPr lang="en-US" dirty="0" smtClean="0"/>
+              <a:t> </a:t>
+            </a:r>
+            <a:r>
+              <a:rPr lang="en-US" dirty="0" err="1" smtClean="0"/>
               <a:t>việc</a:t>
             </a:r>
             <a:r>
-              <a:rPr lang="en-US" smtClean="0"/>
+              <a:rPr lang="en-US" dirty="0" smtClean="0"/>
               <a:t>.</a:t>
             </a:r>
-            <a:endParaRPr lang="en-US"/>
+            <a:endParaRPr lang="en-US" dirty="0"/>
           </a:p>
         </p:txBody>
       </p:sp>

--- a/Document/1_Req/Sicco_requirement_20141008.pptx
+++ b/Document/1_Req/Sicco_requirement_20141008.pptx
@@ -9,16 +9,18 @@
     <p:sldId id="271" r:id="rId3"/>
     <p:sldId id="257" r:id="rId4"/>
     <p:sldId id="258" r:id="rId5"/>
-    <p:sldId id="259" r:id="rId6"/>
-    <p:sldId id="260" r:id="rId7"/>
-    <p:sldId id="261" r:id="rId8"/>
-    <p:sldId id="268" r:id="rId9"/>
-    <p:sldId id="266" r:id="rId10"/>
-    <p:sldId id="267" r:id="rId11"/>
-    <p:sldId id="262" r:id="rId12"/>
-    <p:sldId id="263" r:id="rId13"/>
-    <p:sldId id="269" r:id="rId14"/>
-    <p:sldId id="264" r:id="rId15"/>
+    <p:sldId id="272" r:id="rId6"/>
+    <p:sldId id="259" r:id="rId7"/>
+    <p:sldId id="273" r:id="rId8"/>
+    <p:sldId id="260" r:id="rId9"/>
+    <p:sldId id="261" r:id="rId10"/>
+    <p:sldId id="268" r:id="rId11"/>
+    <p:sldId id="266" r:id="rId12"/>
+    <p:sldId id="267" r:id="rId13"/>
+    <p:sldId id="262" r:id="rId14"/>
+    <p:sldId id="263" r:id="rId15"/>
+    <p:sldId id="269" r:id="rId16"/>
+    <p:sldId id="264" r:id="rId17"/>
   </p:sldIdLst>
   <p:sldSz cx="12192000" cy="6858000"/>
   <p:notesSz cx="6858000" cy="9144000"/>
@@ -268,7 +270,7 @@
             <a:fld id="{9B94B481-3E0A-4242-9A8D-3E3A61947AD1}" type="datetimeFigureOut">
               <a:rPr lang="vi-VN" smtClean="0"/>
               <a:pPr/>
-              <a:t>09/10/2014</a:t>
+              <a:t>10/10/2014</a:t>
             </a:fld>
             <a:endParaRPr lang="vi-VN"/>
           </a:p>
@@ -440,7 +442,7 @@
             <a:fld id="{9B94B481-3E0A-4242-9A8D-3E3A61947AD1}" type="datetimeFigureOut">
               <a:rPr lang="vi-VN" smtClean="0"/>
               <a:pPr/>
-              <a:t>09/10/2014</a:t>
+              <a:t>10/10/2014</a:t>
             </a:fld>
             <a:endParaRPr lang="vi-VN"/>
           </a:p>
@@ -622,7 +624,7 @@
             <a:fld id="{9B94B481-3E0A-4242-9A8D-3E3A61947AD1}" type="datetimeFigureOut">
               <a:rPr lang="vi-VN" smtClean="0"/>
               <a:pPr/>
-              <a:t>09/10/2014</a:t>
+              <a:t>10/10/2014</a:t>
             </a:fld>
             <a:endParaRPr lang="vi-VN"/>
           </a:p>
@@ -794,7 +796,7 @@
             <a:fld id="{9B94B481-3E0A-4242-9A8D-3E3A61947AD1}" type="datetimeFigureOut">
               <a:rPr lang="vi-VN" smtClean="0"/>
               <a:pPr/>
-              <a:t>09/10/2014</a:t>
+              <a:t>10/10/2014</a:t>
             </a:fld>
             <a:endParaRPr lang="vi-VN"/>
           </a:p>
@@ -1042,7 +1044,7 @@
             <a:fld id="{9B94B481-3E0A-4242-9A8D-3E3A61947AD1}" type="datetimeFigureOut">
               <a:rPr lang="vi-VN" smtClean="0"/>
               <a:pPr/>
-              <a:t>09/10/2014</a:t>
+              <a:t>10/10/2014</a:t>
             </a:fld>
             <a:endParaRPr lang="vi-VN"/>
           </a:p>
@@ -1276,7 +1278,7 @@
             <a:fld id="{9B94B481-3E0A-4242-9A8D-3E3A61947AD1}" type="datetimeFigureOut">
               <a:rPr lang="vi-VN" smtClean="0"/>
               <a:pPr/>
-              <a:t>09/10/2014</a:t>
+              <a:t>10/10/2014</a:t>
             </a:fld>
             <a:endParaRPr lang="vi-VN"/>
           </a:p>
@@ -1645,7 +1647,7 @@
             <a:fld id="{9B94B481-3E0A-4242-9A8D-3E3A61947AD1}" type="datetimeFigureOut">
               <a:rPr lang="vi-VN" smtClean="0"/>
               <a:pPr/>
-              <a:t>09/10/2014</a:t>
+              <a:t>10/10/2014</a:t>
             </a:fld>
             <a:endParaRPr lang="vi-VN"/>
           </a:p>
@@ -1765,7 +1767,7 @@
             <a:fld id="{9B94B481-3E0A-4242-9A8D-3E3A61947AD1}" type="datetimeFigureOut">
               <a:rPr lang="vi-VN" smtClean="0"/>
               <a:pPr/>
-              <a:t>09/10/2014</a:t>
+              <a:t>10/10/2014</a:t>
             </a:fld>
             <a:endParaRPr lang="vi-VN"/>
           </a:p>
@@ -1862,7 +1864,7 @@
             <a:fld id="{9B94B481-3E0A-4242-9A8D-3E3A61947AD1}" type="datetimeFigureOut">
               <a:rPr lang="vi-VN" smtClean="0"/>
               <a:pPr/>
-              <a:t>09/10/2014</a:t>
+              <a:t>10/10/2014</a:t>
             </a:fld>
             <a:endParaRPr lang="vi-VN"/>
           </a:p>
@@ -2141,7 +2143,7 @@
             <a:fld id="{9B94B481-3E0A-4242-9A8D-3E3A61947AD1}" type="datetimeFigureOut">
               <a:rPr lang="vi-VN" smtClean="0"/>
               <a:pPr/>
-              <a:t>09/10/2014</a:t>
+              <a:t>10/10/2014</a:t>
             </a:fld>
             <a:endParaRPr lang="vi-VN"/>
           </a:p>
@@ -2396,7 +2398,7 @@
             <a:fld id="{9B94B481-3E0A-4242-9A8D-3E3A61947AD1}" type="datetimeFigureOut">
               <a:rPr lang="vi-VN" smtClean="0"/>
               <a:pPr/>
-              <a:t>09/10/2014</a:t>
+              <a:t>10/10/2014</a:t>
             </a:fld>
             <a:endParaRPr lang="vi-VN"/>
           </a:p>
@@ -2611,7 +2613,7 @@
             <a:fld id="{9B94B481-3E0A-4242-9A8D-3E3A61947AD1}" type="datetimeFigureOut">
               <a:rPr lang="vi-VN" smtClean="0"/>
               <a:pPr/>
-              <a:t>09/10/2014</a:t>
+              <a:t>10/10/2014</a:t>
             </a:fld>
             <a:endParaRPr lang="vi-VN"/>
           </a:p>
@@ -3123,6 +3125,1196 @@
         </p:blipFill>
         <p:spPr>
           <a:xfrm>
+            <a:off x="317500" y="203200"/>
+            <a:ext cx="4027289" cy="6286500"/>
+          </a:xfrm>
+          <a:prstGeom prst="rect">
+            <a:avLst/>
+          </a:prstGeom>
+        </p:spPr>
+      </p:pic>
+      <p:sp>
+        <p:nvSpPr>
+          <p:cNvPr id="3" name="TextBox 2"/>
+          <p:cNvSpPr txBox="1"/>
+          <p:nvPr/>
+        </p:nvSpPr>
+        <p:spPr>
+          <a:xfrm>
+            <a:off x="5324473" y="1310793"/>
+            <a:ext cx="6867527" cy="1754326"/>
+          </a:xfrm>
+          <a:prstGeom prst="rect">
+            <a:avLst/>
+          </a:prstGeom>
+          <a:noFill/>
+        </p:spPr>
+        <p:txBody>
+          <a:bodyPr wrap="square" rtlCol="0">
+            <a:spAutoFit/>
+          </a:bodyPr>
+          <a:lstStyle/>
+          <a:p>
+            <a:r>
+              <a:rPr lang="en-US" dirty="0" err="1" smtClean="0"/>
+              <a:t>Yêu</a:t>
+            </a:r>
+            <a:r>
+              <a:rPr lang="en-US" dirty="0" smtClean="0"/>
+              <a:t> </a:t>
+            </a:r>
+            <a:r>
+              <a:rPr lang="en-US" dirty="0" err="1" smtClean="0"/>
+              <a:t>cầu</a:t>
+            </a:r>
+            <a:r>
+              <a:rPr lang="en-US" dirty="0" smtClean="0"/>
+              <a:t>: </a:t>
+            </a:r>
+          </a:p>
+          <a:p>
+            <a:r>
+              <a:rPr lang="en-US" dirty="0" smtClean="0"/>
+              <a:t>+ User </a:t>
+            </a:r>
+            <a:r>
+              <a:rPr lang="en-US" dirty="0" err="1" smtClean="0"/>
+              <a:t>chọn</a:t>
+            </a:r>
+            <a:r>
+              <a:rPr lang="en-US" dirty="0" smtClean="0"/>
+              <a:t> </a:t>
+            </a:r>
+            <a:r>
+              <a:rPr lang="en-US" dirty="0" err="1" smtClean="0"/>
+              <a:t>vào</a:t>
+            </a:r>
+            <a:r>
+              <a:rPr lang="en-US" dirty="0" smtClean="0"/>
+              <a:t> ô </a:t>
+            </a:r>
+            <a:r>
+              <a:rPr lang="en-US" dirty="0" err="1" smtClean="0"/>
+              <a:t>Tất</a:t>
+            </a:r>
+            <a:r>
+              <a:rPr lang="en-US" dirty="0" smtClean="0"/>
+              <a:t> </a:t>
+            </a:r>
+            <a:r>
+              <a:rPr lang="en-US" dirty="0" err="1" smtClean="0"/>
+              <a:t>cả</a:t>
+            </a:r>
+            <a:r>
+              <a:rPr lang="en-US" dirty="0" smtClean="0"/>
+              <a:t> =&gt; </a:t>
+            </a:r>
+            <a:r>
+              <a:rPr lang="en-US" dirty="0" err="1" smtClean="0"/>
+              <a:t>chọn</a:t>
+            </a:r>
+            <a:r>
+              <a:rPr lang="en-US" dirty="0" smtClean="0"/>
+              <a:t> 1 </a:t>
+            </a:r>
+            <a:r>
+              <a:rPr lang="en-US" dirty="0" err="1" smtClean="0"/>
+              <a:t>tiêu</a:t>
+            </a:r>
+            <a:r>
+              <a:rPr lang="en-US" dirty="0" smtClean="0"/>
+              <a:t> </a:t>
+            </a:r>
+            <a:r>
+              <a:rPr lang="en-US" dirty="0" err="1" smtClean="0"/>
+              <a:t>chí</a:t>
+            </a:r>
+            <a:r>
+              <a:rPr lang="en-US" dirty="0" smtClean="0"/>
+              <a:t> </a:t>
+            </a:r>
+            <a:r>
+              <a:rPr lang="en-US" dirty="0" err="1" smtClean="0"/>
+              <a:t>để</a:t>
+            </a:r>
+            <a:r>
+              <a:rPr lang="en-US" dirty="0" smtClean="0"/>
+              <a:t> </a:t>
+            </a:r>
+            <a:r>
+              <a:rPr lang="en-US" dirty="0" err="1" smtClean="0"/>
+              <a:t>tìm</a:t>
+            </a:r>
+            <a:r>
+              <a:rPr lang="en-US" dirty="0" smtClean="0"/>
+              <a:t> </a:t>
+            </a:r>
+            <a:r>
+              <a:rPr lang="en-US" dirty="0" err="1" smtClean="0"/>
+              <a:t>kiếm</a:t>
+            </a:r>
+            <a:endParaRPr lang="en-US" dirty="0" smtClean="0"/>
+          </a:p>
+          <a:p>
+            <a:r>
+              <a:rPr lang="en-US" dirty="0" smtClean="0"/>
+              <a:t>+ </a:t>
+            </a:r>
+            <a:r>
+              <a:rPr lang="en-US" dirty="0" err="1" smtClean="0"/>
+              <a:t>Các</a:t>
+            </a:r>
+            <a:r>
+              <a:rPr lang="en-US" dirty="0" smtClean="0"/>
+              <a:t> </a:t>
+            </a:r>
+            <a:r>
+              <a:rPr lang="en-US" dirty="0" err="1" smtClean="0"/>
+              <a:t>tiêu</a:t>
+            </a:r>
+            <a:r>
+              <a:rPr lang="en-US" dirty="0" smtClean="0"/>
+              <a:t> </a:t>
+            </a:r>
+            <a:r>
+              <a:rPr lang="en-US" dirty="0" err="1" smtClean="0"/>
+              <a:t>chí</a:t>
+            </a:r>
+            <a:r>
+              <a:rPr lang="en-US" dirty="0" smtClean="0"/>
+              <a:t> </a:t>
+            </a:r>
+            <a:r>
+              <a:rPr lang="en-US" dirty="0" err="1" smtClean="0"/>
+              <a:t>có</a:t>
+            </a:r>
+            <a:r>
+              <a:rPr lang="en-US" dirty="0" smtClean="0"/>
+              <a:t> </a:t>
+            </a:r>
+            <a:r>
+              <a:rPr lang="en-US" dirty="0" err="1" smtClean="0"/>
+              <a:t>thể</a:t>
+            </a:r>
+            <a:r>
+              <a:rPr lang="en-US" dirty="0" smtClean="0"/>
+              <a:t> </a:t>
+            </a:r>
+            <a:r>
+              <a:rPr lang="en-US" dirty="0" err="1" smtClean="0"/>
+              <a:t>lựa</a:t>
+            </a:r>
+            <a:r>
+              <a:rPr lang="en-US" dirty="0" smtClean="0"/>
+              <a:t> </a:t>
+            </a:r>
+            <a:r>
+              <a:rPr lang="en-US" dirty="0" err="1" smtClean="0"/>
+              <a:t>chọn</a:t>
+            </a:r>
+            <a:r>
+              <a:rPr lang="en-US" dirty="0" smtClean="0"/>
+              <a:t> </a:t>
+            </a:r>
+            <a:r>
+              <a:rPr lang="en-US" dirty="0" err="1" smtClean="0"/>
+              <a:t>để</a:t>
+            </a:r>
+            <a:r>
+              <a:rPr lang="en-US" dirty="0" smtClean="0"/>
+              <a:t> </a:t>
+            </a:r>
+            <a:r>
+              <a:rPr lang="en-US" dirty="0" err="1" smtClean="0"/>
+              <a:t>tìm</a:t>
+            </a:r>
+            <a:r>
+              <a:rPr lang="en-US" dirty="0" smtClean="0"/>
+              <a:t> </a:t>
+            </a:r>
+            <a:r>
+              <a:rPr lang="en-US" dirty="0" err="1" smtClean="0"/>
+              <a:t>kiếm</a:t>
+            </a:r>
+            <a:r>
+              <a:rPr lang="en-US" dirty="0" smtClean="0"/>
+              <a:t>: </a:t>
+            </a:r>
+            <a:r>
+              <a:rPr lang="en-US" dirty="0" err="1" smtClean="0"/>
+              <a:t>Tên</a:t>
+            </a:r>
+            <a:r>
+              <a:rPr lang="en-US" dirty="0" smtClean="0"/>
+              <a:t> </a:t>
+            </a:r>
+            <a:r>
+              <a:rPr lang="en-US" dirty="0" err="1" smtClean="0"/>
+              <a:t>công</a:t>
+            </a:r>
+            <a:r>
+              <a:rPr lang="en-US" dirty="0" smtClean="0"/>
+              <a:t> </a:t>
+            </a:r>
+            <a:r>
+              <a:rPr lang="en-US" dirty="0" err="1" smtClean="0"/>
+              <a:t>việc</a:t>
+            </a:r>
+            <a:r>
+              <a:rPr lang="en-US" dirty="0" smtClean="0"/>
+              <a:t>, </a:t>
+            </a:r>
+            <a:r>
+              <a:rPr lang="en-US" dirty="0" err="1" smtClean="0"/>
+              <a:t>Người</a:t>
+            </a:r>
+            <a:r>
+              <a:rPr lang="en-US" dirty="0" smtClean="0"/>
+              <a:t> </a:t>
+            </a:r>
+            <a:r>
+              <a:rPr lang="en-US" dirty="0" err="1" smtClean="0"/>
+              <a:t>giao</a:t>
+            </a:r>
+            <a:r>
+              <a:rPr lang="en-US" dirty="0" smtClean="0"/>
+              <a:t>, </a:t>
+            </a:r>
+            <a:r>
+              <a:rPr lang="en-US" dirty="0" err="1" smtClean="0"/>
+              <a:t>Người</a:t>
+            </a:r>
+            <a:r>
+              <a:rPr lang="en-US" dirty="0" smtClean="0"/>
+              <a:t> </a:t>
+            </a:r>
+            <a:r>
+              <a:rPr lang="en-US" dirty="0" err="1" smtClean="0"/>
+              <a:t>được</a:t>
+            </a:r>
+            <a:r>
+              <a:rPr lang="en-US" dirty="0" smtClean="0"/>
+              <a:t> </a:t>
+            </a:r>
+            <a:r>
+              <a:rPr lang="en-US" dirty="0" err="1" smtClean="0"/>
+              <a:t>giao</a:t>
+            </a:r>
+            <a:r>
+              <a:rPr lang="en-US" dirty="0" smtClean="0"/>
+              <a:t>.</a:t>
+            </a:r>
+          </a:p>
+          <a:p>
+            <a:r>
+              <a:rPr lang="en-US" dirty="0" smtClean="0"/>
+              <a:t>+ </a:t>
+            </a:r>
+            <a:r>
+              <a:rPr lang="en-US" dirty="0" err="1" smtClean="0"/>
+              <a:t>Danh</a:t>
+            </a:r>
+            <a:r>
+              <a:rPr lang="en-US" dirty="0" smtClean="0"/>
+              <a:t> </a:t>
+            </a:r>
+            <a:r>
+              <a:rPr lang="en-US" dirty="0" err="1" smtClean="0"/>
+              <a:t>sách</a:t>
+            </a:r>
+            <a:r>
+              <a:rPr lang="en-US" dirty="0" smtClean="0"/>
+              <a:t> </a:t>
+            </a:r>
+            <a:r>
+              <a:rPr lang="en-US" dirty="0" err="1" smtClean="0"/>
+              <a:t>các</a:t>
+            </a:r>
+            <a:r>
+              <a:rPr lang="en-US" dirty="0" smtClean="0"/>
+              <a:t> </a:t>
+            </a:r>
+            <a:r>
+              <a:rPr lang="en-US" dirty="0" err="1" smtClean="0"/>
+              <a:t>công</a:t>
+            </a:r>
+            <a:r>
+              <a:rPr lang="en-US" dirty="0" smtClean="0"/>
+              <a:t> </a:t>
+            </a:r>
+            <a:r>
+              <a:rPr lang="en-US" dirty="0" err="1" smtClean="0"/>
+              <a:t>việc</a:t>
+            </a:r>
+            <a:r>
+              <a:rPr lang="en-US" dirty="0" smtClean="0"/>
+              <a:t> </a:t>
+            </a:r>
+            <a:r>
+              <a:rPr lang="en-US" dirty="0" err="1" smtClean="0"/>
+              <a:t>tìm</a:t>
+            </a:r>
+            <a:r>
+              <a:rPr lang="en-US" dirty="0" smtClean="0"/>
+              <a:t> </a:t>
+            </a:r>
+            <a:r>
+              <a:rPr lang="en-US" dirty="0" err="1" smtClean="0"/>
+              <a:t>thấy</a:t>
+            </a:r>
+            <a:r>
+              <a:rPr lang="en-US" dirty="0" smtClean="0"/>
+              <a:t> </a:t>
+            </a:r>
+            <a:r>
+              <a:rPr lang="en-US" dirty="0" err="1" smtClean="0"/>
+              <a:t>được</a:t>
+            </a:r>
+            <a:r>
+              <a:rPr lang="en-US" dirty="0" smtClean="0"/>
+              <a:t> </a:t>
+            </a:r>
+            <a:r>
+              <a:rPr lang="en-US" dirty="0" err="1" smtClean="0"/>
+              <a:t>hiển</a:t>
+            </a:r>
+            <a:r>
+              <a:rPr lang="en-US" dirty="0" smtClean="0"/>
+              <a:t> </a:t>
+            </a:r>
+            <a:r>
+              <a:rPr lang="en-US" dirty="0" err="1" smtClean="0"/>
+              <a:t>thị</a:t>
+            </a:r>
+            <a:r>
+              <a:rPr lang="en-US" dirty="0" smtClean="0"/>
+              <a:t> </a:t>
+            </a:r>
+            <a:r>
+              <a:rPr lang="en-US" dirty="0" err="1" smtClean="0"/>
+              <a:t>trong</a:t>
+            </a:r>
+            <a:r>
+              <a:rPr lang="en-US" dirty="0" smtClean="0"/>
+              <a:t> layout </a:t>
+            </a:r>
+            <a:r>
+              <a:rPr lang="en-US" dirty="0" err="1" smtClean="0"/>
+              <a:t>như</a:t>
+            </a:r>
+            <a:r>
+              <a:rPr lang="en-US" dirty="0" smtClean="0"/>
+              <a:t> </a:t>
+            </a:r>
+            <a:r>
+              <a:rPr lang="en-US" dirty="0" err="1" smtClean="0"/>
+              <a:t>hình</a:t>
+            </a:r>
+            <a:r>
+              <a:rPr lang="en-US" dirty="0" smtClean="0"/>
+              <a:t> </a:t>
+            </a:r>
+            <a:r>
+              <a:rPr lang="en-US" dirty="0" err="1" smtClean="0"/>
+              <a:t>vẽ</a:t>
+            </a:r>
+            <a:r>
+              <a:rPr lang="en-US" dirty="0" smtClean="0"/>
+              <a:t>: </a:t>
+            </a:r>
+            <a:r>
+              <a:rPr lang="en-US" dirty="0" err="1" smtClean="0"/>
+              <a:t>gồm</a:t>
+            </a:r>
+            <a:r>
+              <a:rPr lang="en-US" dirty="0" smtClean="0"/>
+              <a:t> </a:t>
+            </a:r>
+            <a:r>
+              <a:rPr lang="en-US" dirty="0" err="1" smtClean="0"/>
+              <a:t>Tên</a:t>
+            </a:r>
+            <a:r>
+              <a:rPr lang="en-US" dirty="0" smtClean="0"/>
+              <a:t> </a:t>
+            </a:r>
+            <a:r>
+              <a:rPr lang="en-US" dirty="0" err="1" smtClean="0"/>
+              <a:t>công</a:t>
+            </a:r>
+            <a:r>
+              <a:rPr lang="en-US" dirty="0" smtClean="0"/>
+              <a:t> </a:t>
+            </a:r>
+            <a:r>
+              <a:rPr lang="en-US" dirty="0" err="1" smtClean="0"/>
+              <a:t>việc</a:t>
+            </a:r>
+            <a:r>
+              <a:rPr lang="en-US" dirty="0" smtClean="0"/>
+              <a:t> </a:t>
+            </a:r>
+            <a:r>
+              <a:rPr lang="en-US" dirty="0" err="1" smtClean="0"/>
+              <a:t>và</a:t>
+            </a:r>
+            <a:r>
+              <a:rPr lang="en-US" dirty="0" smtClean="0"/>
+              <a:t> </a:t>
+            </a:r>
+            <a:r>
+              <a:rPr lang="en-US" dirty="0" err="1" smtClean="0"/>
+              <a:t>Hạn</a:t>
+            </a:r>
+            <a:r>
+              <a:rPr lang="en-US" dirty="0" smtClean="0"/>
+              <a:t> </a:t>
+            </a:r>
+            <a:r>
+              <a:rPr lang="en-US" dirty="0" err="1" smtClean="0"/>
+              <a:t>cuối</a:t>
+            </a:r>
+            <a:r>
+              <a:rPr lang="en-US" dirty="0" smtClean="0"/>
+              <a:t> </a:t>
+            </a:r>
+            <a:r>
+              <a:rPr lang="en-US" dirty="0" err="1" smtClean="0"/>
+              <a:t>của</a:t>
+            </a:r>
+            <a:r>
+              <a:rPr lang="en-US" dirty="0" smtClean="0"/>
+              <a:t> </a:t>
+            </a:r>
+            <a:r>
+              <a:rPr lang="en-US" dirty="0" err="1" smtClean="0"/>
+              <a:t>công</a:t>
+            </a:r>
+            <a:r>
+              <a:rPr lang="en-US" dirty="0" smtClean="0"/>
+              <a:t> </a:t>
+            </a:r>
+            <a:r>
+              <a:rPr lang="en-US" dirty="0" err="1" smtClean="0"/>
+              <a:t>việc</a:t>
+            </a:r>
+            <a:r>
+              <a:rPr lang="en-US" dirty="0" smtClean="0"/>
+              <a:t>.</a:t>
+            </a:r>
+            <a:endParaRPr lang="en-US" dirty="0"/>
+          </a:p>
+        </p:txBody>
+      </p:sp>
+      <p:sp>
+        <p:nvSpPr>
+          <p:cNvPr id="5" name="TextBox 4"/>
+          <p:cNvSpPr txBox="1"/>
+          <p:nvPr/>
+        </p:nvSpPr>
+        <p:spPr>
+          <a:xfrm>
+            <a:off x="6031590" y="215612"/>
+            <a:ext cx="3424527" cy="584775"/>
+          </a:xfrm>
+          <a:prstGeom prst="rect">
+            <a:avLst/>
+          </a:prstGeom>
+          <a:noFill/>
+        </p:spPr>
+        <p:txBody>
+          <a:bodyPr wrap="none" rtlCol="0">
+            <a:spAutoFit/>
+          </a:bodyPr>
+          <a:lstStyle/>
+          <a:p>
+            <a:r>
+              <a:rPr lang="en-US" sz="3200" b="1" err="1" smtClean="0"/>
+              <a:t>Tìm</a:t>
+            </a:r>
+            <a:r>
+              <a:rPr lang="en-US" sz="3200" b="1" smtClean="0"/>
+              <a:t> </a:t>
+            </a:r>
+            <a:r>
+              <a:rPr lang="en-US" sz="3200" b="1" err="1" smtClean="0"/>
+              <a:t>kiếm</a:t>
+            </a:r>
+            <a:r>
+              <a:rPr lang="en-US" sz="3200" b="1" smtClean="0"/>
+              <a:t> </a:t>
+            </a:r>
+            <a:r>
+              <a:rPr lang="en-US" sz="3200" b="1" err="1" smtClean="0"/>
+              <a:t>công</a:t>
+            </a:r>
+            <a:r>
+              <a:rPr lang="en-US" sz="3200" b="1" smtClean="0"/>
+              <a:t> </a:t>
+            </a:r>
+            <a:r>
+              <a:rPr lang="en-US" sz="3200" b="1" err="1" smtClean="0"/>
+              <a:t>việc</a:t>
+            </a:r>
+            <a:endParaRPr lang="en-US" sz="3200" b="1"/>
+          </a:p>
+        </p:txBody>
+      </p:sp>
+    </p:spTree>
+    <p:extLst>
+      <p:ext uri="{BB962C8B-B14F-4D97-AF65-F5344CB8AC3E}">
+        <p14:creationId xmlns:p14="http://schemas.microsoft.com/office/powerpoint/2010/main" val="10413093"/>
+      </p:ext>
+    </p:extLst>
+  </p:cSld>
+  <p:clrMapOvr>
+    <a:masterClrMapping/>
+  </p:clrMapOvr>
+  <p:timing>
+    <p:tnLst>
+      <p:par>
+        <p:cTn id="1" dur="indefinite" restart="never" nodeType="tmRoot"/>
+      </p:par>
+    </p:tnLst>
+  </p:timing>
+</p:sld>
+</file>
+
+<file path=ppt/slides/slide11.xml><?xml version="1.0" encoding="utf-8"?>
+<p:sld xmlns:a="http://schemas.openxmlformats.org/drawingml/2006/main" xmlns:r="http://schemas.openxmlformats.org/officeDocument/2006/relationships" xmlns:p="http://schemas.openxmlformats.org/presentationml/2006/main">
+  <p:cSld>
+    <p:spTree>
+      <p:nvGrpSpPr>
+        <p:cNvPr id="1" name=""/>
+        <p:cNvGrpSpPr/>
+        <p:nvPr/>
+      </p:nvGrpSpPr>
+      <p:grpSpPr>
+        <a:xfrm>
+          <a:off x="0" y="0"/>
+          <a:ext cx="0" cy="0"/>
+          <a:chOff x="0" y="0"/>
+          <a:chExt cx="0" cy="0"/>
+        </a:xfrm>
+      </p:grpSpPr>
+      <p:pic>
+        <p:nvPicPr>
+          <p:cNvPr id="4" name="Picture 3"/>
+          <p:cNvPicPr>
+            <a:picLocks noChangeAspect="1"/>
+          </p:cNvPicPr>
+          <p:nvPr/>
+        </p:nvPicPr>
+        <p:blipFill>
+          <a:blip r:embed="rId2" cstate="print">
+            <a:extLst>
+              <a:ext uri="{28A0092B-C50C-407E-A947-70E740481C1C}">
+                <a14:useLocalDpi xmlns:a14="http://schemas.microsoft.com/office/drawing/2010/main" val="0"/>
+              </a:ext>
+            </a:extLst>
+          </a:blip>
+          <a:stretch>
+            <a:fillRect/>
+          </a:stretch>
+        </p:blipFill>
+        <p:spPr>
+          <a:xfrm>
+            <a:off x="419099" y="304800"/>
+            <a:ext cx="3959717" cy="6181022"/>
+          </a:xfrm>
+          <a:prstGeom prst="rect">
+            <a:avLst/>
+          </a:prstGeom>
+        </p:spPr>
+      </p:pic>
+      <p:sp>
+        <p:nvSpPr>
+          <p:cNvPr id="3" name="TextBox 2"/>
+          <p:cNvSpPr txBox="1"/>
+          <p:nvPr/>
+        </p:nvSpPr>
+        <p:spPr>
+          <a:xfrm>
+            <a:off x="5324473" y="1310793"/>
+            <a:ext cx="6867527" cy="1754326"/>
+          </a:xfrm>
+          <a:prstGeom prst="rect">
+            <a:avLst/>
+          </a:prstGeom>
+          <a:noFill/>
+        </p:spPr>
+        <p:txBody>
+          <a:bodyPr wrap="square" rtlCol="0">
+            <a:spAutoFit/>
+          </a:bodyPr>
+          <a:lstStyle/>
+          <a:p>
+            <a:r>
+              <a:rPr lang="en-US" err="1" smtClean="0"/>
+              <a:t>Yêu</a:t>
+            </a:r>
+            <a:r>
+              <a:rPr lang="en-US" smtClean="0"/>
+              <a:t> </a:t>
+            </a:r>
+            <a:r>
+              <a:rPr lang="en-US" err="1" smtClean="0"/>
+              <a:t>cầu</a:t>
+            </a:r>
+            <a:r>
+              <a:rPr lang="en-US" smtClean="0"/>
+              <a:t>: </a:t>
+            </a:r>
+          </a:p>
+          <a:p>
+            <a:r>
+              <a:rPr lang="en-US" smtClean="0"/>
+              <a:t>+ </a:t>
+            </a:r>
+            <a:r>
+              <a:rPr lang="en-US" err="1" smtClean="0"/>
+              <a:t>Đây</a:t>
+            </a:r>
+            <a:r>
+              <a:rPr lang="en-US" smtClean="0"/>
+              <a:t> </a:t>
+            </a:r>
+            <a:r>
+              <a:rPr lang="en-US" err="1" smtClean="0"/>
+              <a:t>là</a:t>
+            </a:r>
+            <a:r>
+              <a:rPr lang="en-US" smtClean="0"/>
+              <a:t> 1 </a:t>
+            </a:r>
+            <a:r>
+              <a:rPr lang="en-US" err="1" smtClean="0"/>
+              <a:t>nhóm</a:t>
+            </a:r>
+            <a:r>
+              <a:rPr lang="en-US" smtClean="0"/>
+              <a:t> </a:t>
+            </a:r>
+            <a:r>
+              <a:rPr lang="en-US" err="1" smtClean="0"/>
+              <a:t>trong</a:t>
+            </a:r>
+            <a:r>
+              <a:rPr lang="en-US" smtClean="0"/>
+              <a:t> 5 </a:t>
+            </a:r>
+            <a:r>
+              <a:rPr lang="en-US" err="1" smtClean="0"/>
+              <a:t>nhóm</a:t>
+            </a:r>
+            <a:r>
+              <a:rPr lang="en-US" smtClean="0"/>
+              <a:t> </a:t>
+            </a:r>
+            <a:r>
+              <a:rPr lang="en-US" err="1" smtClean="0"/>
+              <a:t>danh</a:t>
+            </a:r>
+            <a:r>
+              <a:rPr lang="en-US" smtClean="0"/>
+              <a:t> </a:t>
+            </a:r>
+            <a:r>
+              <a:rPr lang="en-US" err="1" smtClean="0"/>
+              <a:t>sách</a:t>
+            </a:r>
+            <a:r>
+              <a:rPr lang="en-US" smtClean="0"/>
+              <a:t> </a:t>
+            </a:r>
+            <a:r>
+              <a:rPr lang="en-US" err="1" smtClean="0"/>
+              <a:t>công</a:t>
+            </a:r>
+            <a:r>
+              <a:rPr lang="en-US" smtClean="0"/>
+              <a:t> </a:t>
+            </a:r>
+            <a:r>
+              <a:rPr lang="en-US" err="1" smtClean="0"/>
+              <a:t>việc</a:t>
+            </a:r>
+            <a:r>
+              <a:rPr lang="en-US" smtClean="0"/>
+              <a:t>.</a:t>
+            </a:r>
+          </a:p>
+          <a:p>
+            <a:r>
+              <a:rPr lang="en-US" smtClean="0"/>
+              <a:t>+ </a:t>
+            </a:r>
+            <a:r>
+              <a:rPr lang="en-US" err="1" smtClean="0"/>
+              <a:t>Nhóm</a:t>
+            </a:r>
+            <a:r>
+              <a:rPr lang="en-US" smtClean="0"/>
+              <a:t> </a:t>
+            </a:r>
+            <a:r>
+              <a:rPr lang="en-US" err="1" smtClean="0"/>
+              <a:t>Tất</a:t>
+            </a:r>
+            <a:r>
+              <a:rPr lang="en-US" smtClean="0"/>
+              <a:t> </a:t>
+            </a:r>
+            <a:r>
+              <a:rPr lang="en-US" err="1" smtClean="0"/>
+              <a:t>cả</a:t>
+            </a:r>
+            <a:r>
+              <a:rPr lang="en-US" smtClean="0"/>
+              <a:t> </a:t>
+            </a:r>
+            <a:r>
+              <a:rPr lang="en-US" err="1" smtClean="0"/>
+              <a:t>hiển</a:t>
+            </a:r>
+            <a:r>
+              <a:rPr lang="en-US" smtClean="0"/>
+              <a:t> </a:t>
+            </a:r>
+            <a:r>
+              <a:rPr lang="en-US" err="1" smtClean="0"/>
+              <a:t>thị</a:t>
+            </a:r>
+            <a:r>
+              <a:rPr lang="en-US" smtClean="0"/>
+              <a:t> </a:t>
+            </a:r>
+            <a:r>
+              <a:rPr lang="en-US" err="1" smtClean="0"/>
+              <a:t>danh</a:t>
+            </a:r>
+            <a:r>
+              <a:rPr lang="en-US" smtClean="0"/>
+              <a:t> </a:t>
+            </a:r>
+            <a:r>
+              <a:rPr lang="en-US" err="1" smtClean="0"/>
+              <a:t>sách</a:t>
+            </a:r>
+            <a:r>
+              <a:rPr lang="en-US" smtClean="0"/>
+              <a:t> </a:t>
+            </a:r>
+            <a:r>
+              <a:rPr lang="en-US" err="1" smtClean="0"/>
+              <a:t>công</a:t>
+            </a:r>
+            <a:r>
+              <a:rPr lang="en-US" smtClean="0"/>
+              <a:t> </a:t>
+            </a:r>
+            <a:r>
+              <a:rPr lang="en-US" err="1" smtClean="0"/>
+              <a:t>việc</a:t>
+            </a:r>
+            <a:r>
+              <a:rPr lang="en-US" smtClean="0"/>
+              <a:t> </a:t>
+            </a:r>
+            <a:r>
+              <a:rPr lang="en-US" err="1" smtClean="0"/>
+              <a:t>theo</a:t>
+            </a:r>
+            <a:r>
+              <a:rPr lang="en-US" smtClean="0"/>
+              <a:t> layout </a:t>
+            </a:r>
+            <a:r>
+              <a:rPr lang="en-US" err="1" smtClean="0"/>
+              <a:t>như</a:t>
+            </a:r>
+            <a:r>
+              <a:rPr lang="en-US" smtClean="0"/>
+              <a:t> </a:t>
+            </a:r>
+            <a:r>
+              <a:rPr lang="en-US" err="1" smtClean="0"/>
+              <a:t>trong</a:t>
+            </a:r>
+            <a:r>
+              <a:rPr lang="en-US" smtClean="0"/>
+              <a:t> </a:t>
+            </a:r>
+            <a:r>
+              <a:rPr lang="en-US" err="1" smtClean="0"/>
+              <a:t>hình</a:t>
+            </a:r>
+            <a:r>
+              <a:rPr lang="en-US" smtClean="0"/>
+              <a:t> </a:t>
+            </a:r>
+            <a:r>
+              <a:rPr lang="en-US" err="1" smtClean="0"/>
+              <a:t>vẽ</a:t>
+            </a:r>
+            <a:r>
+              <a:rPr lang="en-US" smtClean="0"/>
+              <a:t>: </a:t>
+            </a:r>
+            <a:r>
+              <a:rPr lang="en-US" err="1" smtClean="0"/>
+              <a:t>gồm</a:t>
+            </a:r>
+            <a:r>
+              <a:rPr lang="en-US" smtClean="0"/>
+              <a:t> </a:t>
+            </a:r>
+            <a:r>
+              <a:rPr lang="en-US" err="1" smtClean="0"/>
+              <a:t>Tên</a:t>
+            </a:r>
+            <a:r>
+              <a:rPr lang="en-US" smtClean="0"/>
+              <a:t> </a:t>
+            </a:r>
+            <a:r>
+              <a:rPr lang="en-US" err="1" smtClean="0"/>
+              <a:t>công</a:t>
+            </a:r>
+            <a:r>
+              <a:rPr lang="en-US" smtClean="0"/>
+              <a:t> </a:t>
+            </a:r>
+            <a:r>
+              <a:rPr lang="en-US" err="1" smtClean="0"/>
+              <a:t>việc</a:t>
+            </a:r>
+            <a:r>
+              <a:rPr lang="en-US" smtClean="0"/>
+              <a:t> </a:t>
+            </a:r>
+            <a:r>
+              <a:rPr lang="en-US" err="1" smtClean="0"/>
+              <a:t>và</a:t>
+            </a:r>
+            <a:r>
+              <a:rPr lang="en-US" smtClean="0"/>
+              <a:t> </a:t>
+            </a:r>
+            <a:r>
+              <a:rPr lang="en-US" err="1" smtClean="0"/>
+              <a:t>Hạn</a:t>
+            </a:r>
+            <a:r>
+              <a:rPr lang="en-US" smtClean="0"/>
+              <a:t> </a:t>
+            </a:r>
+            <a:r>
+              <a:rPr lang="en-US" err="1" smtClean="0"/>
+              <a:t>cuối</a:t>
+            </a:r>
+            <a:r>
+              <a:rPr lang="en-US" smtClean="0"/>
+              <a:t>.</a:t>
+            </a:r>
+          </a:p>
+          <a:p>
+            <a:r>
+              <a:rPr lang="en-US" smtClean="0"/>
+              <a:t>+ Ở </a:t>
+            </a:r>
+            <a:r>
+              <a:rPr lang="en-US" err="1" smtClean="0"/>
+              <a:t>nhóm</a:t>
+            </a:r>
+            <a:r>
+              <a:rPr lang="en-US" smtClean="0"/>
+              <a:t> </a:t>
+            </a:r>
+            <a:r>
+              <a:rPr lang="en-US" err="1" smtClean="0"/>
+              <a:t>này</a:t>
+            </a:r>
+            <a:r>
+              <a:rPr lang="en-US" smtClean="0"/>
+              <a:t> </a:t>
+            </a:r>
+            <a:r>
+              <a:rPr lang="en-US" err="1" smtClean="0"/>
+              <a:t>cho</a:t>
+            </a:r>
+            <a:r>
+              <a:rPr lang="en-US" smtClean="0"/>
+              <a:t> </a:t>
+            </a:r>
+            <a:r>
+              <a:rPr lang="en-US" err="1" smtClean="0"/>
+              <a:t>phép</a:t>
+            </a:r>
+            <a:r>
+              <a:rPr lang="en-US" smtClean="0"/>
+              <a:t> </a:t>
+            </a:r>
+            <a:r>
+              <a:rPr lang="en-US" err="1" smtClean="0"/>
+              <a:t>lọc</a:t>
+            </a:r>
+            <a:r>
+              <a:rPr lang="en-US" smtClean="0"/>
+              <a:t> </a:t>
+            </a:r>
+            <a:r>
+              <a:rPr lang="en-US" err="1" smtClean="0"/>
+              <a:t>công</a:t>
+            </a:r>
+            <a:r>
+              <a:rPr lang="en-US" smtClean="0"/>
+              <a:t> </a:t>
+            </a:r>
+            <a:r>
+              <a:rPr lang="en-US" err="1" smtClean="0"/>
+              <a:t>việc</a:t>
+            </a:r>
+            <a:r>
+              <a:rPr lang="en-US" smtClean="0"/>
+              <a:t> </a:t>
+            </a:r>
+            <a:r>
+              <a:rPr lang="en-US" err="1" smtClean="0"/>
+              <a:t>theo</a:t>
+            </a:r>
+            <a:r>
+              <a:rPr lang="en-US" smtClean="0"/>
+              <a:t> </a:t>
+            </a:r>
+            <a:r>
+              <a:rPr lang="en-US" err="1" smtClean="0"/>
+              <a:t>phòng</a:t>
+            </a:r>
+            <a:r>
+              <a:rPr lang="en-US" smtClean="0"/>
+              <a:t> ban – </a:t>
+            </a:r>
+            <a:r>
+              <a:rPr lang="en-US" err="1" smtClean="0"/>
+              <a:t>màn</a:t>
+            </a:r>
+            <a:r>
+              <a:rPr lang="en-US" smtClean="0"/>
+              <a:t> </a:t>
+            </a:r>
+            <a:r>
+              <a:rPr lang="en-US" err="1" smtClean="0"/>
+              <a:t>hình</a:t>
+            </a:r>
+            <a:r>
+              <a:rPr lang="en-US" smtClean="0"/>
+              <a:t> </a:t>
+            </a:r>
+            <a:r>
+              <a:rPr lang="en-US" err="1" smtClean="0"/>
+              <a:t>lọc</a:t>
+            </a:r>
+            <a:r>
+              <a:rPr lang="en-US" smtClean="0"/>
+              <a:t> </a:t>
+            </a:r>
+            <a:r>
+              <a:rPr lang="en-US" err="1" smtClean="0"/>
+              <a:t>theo</a:t>
+            </a:r>
+            <a:r>
+              <a:rPr lang="en-US" smtClean="0"/>
+              <a:t> </a:t>
+            </a:r>
+            <a:r>
+              <a:rPr lang="en-US" err="1" smtClean="0"/>
+              <a:t>phòng</a:t>
+            </a:r>
+            <a:r>
+              <a:rPr lang="en-US" smtClean="0"/>
+              <a:t> </a:t>
+            </a:r>
+            <a:r>
+              <a:rPr lang="en-US" err="1" smtClean="0"/>
+              <a:t>như</a:t>
+            </a:r>
+            <a:r>
+              <a:rPr lang="en-US" smtClean="0"/>
+              <a:t> </a:t>
+            </a:r>
+            <a:r>
+              <a:rPr lang="en-US" err="1" smtClean="0"/>
+              <a:t>hình</a:t>
+            </a:r>
+            <a:r>
+              <a:rPr lang="en-US" smtClean="0"/>
+              <a:t> </a:t>
+            </a:r>
+            <a:r>
+              <a:rPr lang="en-US" err="1" smtClean="0"/>
+              <a:t>phía</a:t>
+            </a:r>
+            <a:r>
+              <a:rPr lang="en-US" smtClean="0"/>
+              <a:t> </a:t>
+            </a:r>
+            <a:r>
+              <a:rPr lang="en-US" err="1" smtClean="0"/>
+              <a:t>sau</a:t>
+            </a:r>
+            <a:r>
+              <a:rPr lang="en-US" smtClean="0"/>
+              <a:t>.</a:t>
+            </a:r>
+            <a:endParaRPr lang="en-US"/>
+          </a:p>
+        </p:txBody>
+      </p:sp>
+      <p:sp>
+        <p:nvSpPr>
+          <p:cNvPr id="5" name="TextBox 4"/>
+          <p:cNvSpPr txBox="1"/>
+          <p:nvPr/>
+        </p:nvSpPr>
+        <p:spPr>
+          <a:xfrm>
+            <a:off x="6031590" y="215612"/>
+            <a:ext cx="3597075" cy="1077218"/>
+          </a:xfrm>
+          <a:prstGeom prst="rect">
+            <a:avLst/>
+          </a:prstGeom>
+          <a:noFill/>
+        </p:spPr>
+        <p:txBody>
+          <a:bodyPr wrap="none" rtlCol="0">
+            <a:spAutoFit/>
+          </a:bodyPr>
+          <a:lstStyle/>
+          <a:p>
+            <a:r>
+              <a:rPr lang="en-US" sz="3200" b="1" err="1" smtClean="0"/>
+              <a:t>Danh</a:t>
+            </a:r>
+            <a:r>
+              <a:rPr lang="en-US" sz="3200" b="1" smtClean="0"/>
+              <a:t> </a:t>
+            </a:r>
+            <a:r>
+              <a:rPr lang="en-US" sz="3200" b="1" err="1" smtClean="0"/>
+              <a:t>sách</a:t>
+            </a:r>
+            <a:r>
+              <a:rPr lang="en-US" sz="3200" b="1" smtClean="0"/>
+              <a:t> </a:t>
+            </a:r>
+            <a:r>
+              <a:rPr lang="en-US" sz="3200" b="1" err="1" smtClean="0"/>
+              <a:t>công</a:t>
+            </a:r>
+            <a:r>
+              <a:rPr lang="en-US" sz="3200" b="1" smtClean="0"/>
+              <a:t> </a:t>
+            </a:r>
+            <a:r>
+              <a:rPr lang="en-US" sz="3200" b="1" err="1" smtClean="0"/>
+              <a:t>việc</a:t>
+            </a:r>
+            <a:endParaRPr lang="en-US" sz="3200" b="1" smtClean="0"/>
+          </a:p>
+          <a:p>
+            <a:r>
+              <a:rPr lang="en-US" sz="3200" b="1"/>
+              <a:t>  </a:t>
+            </a:r>
+            <a:r>
+              <a:rPr lang="en-US" sz="3200" b="1" smtClean="0"/>
+              <a:t>    - </a:t>
+            </a:r>
+            <a:r>
+              <a:rPr lang="en-US" sz="3200" b="1" err="1" smtClean="0"/>
+              <a:t>nhóm</a:t>
+            </a:r>
+            <a:r>
+              <a:rPr lang="en-US" sz="3200" b="1" smtClean="0"/>
+              <a:t> </a:t>
+            </a:r>
+            <a:r>
+              <a:rPr lang="en-US" sz="3200" b="1" err="1" smtClean="0"/>
+              <a:t>Tất</a:t>
+            </a:r>
+            <a:r>
+              <a:rPr lang="en-US" sz="3200" b="1" smtClean="0"/>
+              <a:t> </a:t>
+            </a:r>
+            <a:r>
+              <a:rPr lang="en-US" sz="3200" b="1" err="1" smtClean="0"/>
+              <a:t>cả</a:t>
+            </a:r>
+            <a:endParaRPr lang="en-US" sz="3200" b="1"/>
+          </a:p>
+        </p:txBody>
+      </p:sp>
+    </p:spTree>
+    <p:extLst>
+      <p:ext uri="{BB962C8B-B14F-4D97-AF65-F5344CB8AC3E}">
+        <p14:creationId xmlns:p14="http://schemas.microsoft.com/office/powerpoint/2010/main" val="1408831487"/>
+      </p:ext>
+    </p:extLst>
+  </p:cSld>
+  <p:clrMapOvr>
+    <a:masterClrMapping/>
+  </p:clrMapOvr>
+  <p:timing>
+    <p:tnLst>
+      <p:par>
+        <p:cTn id="1" dur="indefinite" restart="never" nodeType="tmRoot"/>
+      </p:par>
+    </p:tnLst>
+  </p:timing>
+</p:sld>
+</file>
+
+<file path=ppt/slides/slide12.xml><?xml version="1.0" encoding="utf-8"?>
+<p:sld xmlns:a="http://schemas.openxmlformats.org/drawingml/2006/main" xmlns:r="http://schemas.openxmlformats.org/officeDocument/2006/relationships" xmlns:p="http://schemas.openxmlformats.org/presentationml/2006/main">
+  <p:cSld>
+    <p:spTree>
+      <p:nvGrpSpPr>
+        <p:cNvPr id="1" name=""/>
+        <p:cNvGrpSpPr/>
+        <p:nvPr/>
+      </p:nvGrpSpPr>
+      <p:grpSpPr>
+        <a:xfrm>
+          <a:off x="0" y="0"/>
+          <a:ext cx="0" cy="0"/>
+          <a:chOff x="0" y="0"/>
+          <a:chExt cx="0" cy="0"/>
+        </a:xfrm>
+      </p:grpSpPr>
+      <p:pic>
+        <p:nvPicPr>
+          <p:cNvPr id="4" name="Picture 3"/>
+          <p:cNvPicPr>
+            <a:picLocks noChangeAspect="1"/>
+          </p:cNvPicPr>
+          <p:nvPr/>
+        </p:nvPicPr>
+        <p:blipFill>
+          <a:blip r:embed="rId2" cstate="print">
+            <a:extLst>
+              <a:ext uri="{28A0092B-C50C-407E-A947-70E740481C1C}">
+                <a14:useLocalDpi xmlns:a14="http://schemas.microsoft.com/office/drawing/2010/main" val="0"/>
+              </a:ext>
+            </a:extLst>
+          </a:blip>
+          <a:stretch>
+            <a:fillRect/>
+          </a:stretch>
+        </p:blipFill>
+        <p:spPr>
+          <a:xfrm>
             <a:off x="381000" y="254000"/>
             <a:ext cx="4051697" cy="6324600"/>
           </a:xfrm>
@@ -3634,7 +4826,7 @@
 </p:sld>
 </file>
 
-<file path=ppt/slides/slide11.xml><?xml version="1.0" encoding="utf-8"?>
+<file path=ppt/slides/slide13.xml><?xml version="1.0" encoding="utf-8"?>
 <p:sld xmlns:a="http://schemas.openxmlformats.org/drawingml/2006/main" xmlns:r="http://schemas.openxmlformats.org/officeDocument/2006/relationships" xmlns:p="http://schemas.openxmlformats.org/presentationml/2006/main">
   <p:cSld>
     <p:spTree>
@@ -4695,7 +5887,7 @@
 </p:sld>
 </file>
 
-<file path=ppt/slides/slide12.xml><?xml version="1.0" encoding="utf-8"?>
+<file path=ppt/slides/slide14.xml><?xml version="1.0" encoding="utf-8"?>
 <p:sld xmlns:a="http://schemas.openxmlformats.org/drawingml/2006/main" xmlns:r="http://schemas.openxmlformats.org/officeDocument/2006/relationships" xmlns:p="http://schemas.openxmlformats.org/presentationml/2006/main">
   <p:cSld>
     <p:spTree>
@@ -5051,7 +6243,7 @@
 </p:sld>
 </file>
 
-<file path=ppt/slides/slide13.xml><?xml version="1.0" encoding="utf-8"?>
+<file path=ppt/slides/slide15.xml><?xml version="1.0" encoding="utf-8"?>
 <p:sld xmlns:a="http://schemas.openxmlformats.org/drawingml/2006/main" xmlns:r="http://schemas.openxmlformats.org/officeDocument/2006/relationships" xmlns:p="http://schemas.openxmlformats.org/presentationml/2006/main">
   <p:cSld>
     <p:spTree>
@@ -5118,7 +6310,7 @@
 </p:sld>
 </file>
 
-<file path=ppt/slides/slide14.xml><?xml version="1.0" encoding="utf-8"?>
+<file path=ppt/slides/slide16.xml><?xml version="1.0" encoding="utf-8"?>
 <p:sld xmlns:a="http://schemas.openxmlformats.org/drawingml/2006/main" xmlns:r="http://schemas.openxmlformats.org/officeDocument/2006/relationships" xmlns:p="http://schemas.openxmlformats.org/presentationml/2006/main">
   <p:cSld>
     <p:spTree>
@@ -5818,11 +7010,7 @@
             </a:r>
             <a:r>
               <a:rPr lang="en-US" dirty="0" smtClean="0"/>
-              <a:t> </a:t>
-            </a:r>
-            <a:r>
-              <a:rPr lang="en-US" dirty="0" smtClean="0"/>
-              <a:t>upload </a:t>
+              <a:t> upload </a:t>
             </a:r>
             <a:r>
               <a:rPr lang="en-US" dirty="0" err="1" smtClean="0"/>
@@ -9660,6 +10848,66 @@
       </p:grpSpPr>
       <p:pic>
         <p:nvPicPr>
+          <p:cNvPr id="4" name="Picture 3"/>
+          <p:cNvPicPr>
+            <a:picLocks noChangeAspect="1"/>
+          </p:cNvPicPr>
+          <p:nvPr/>
+        </p:nvPicPr>
+        <p:blipFill>
+          <a:blip r:embed="rId2">
+            <a:extLst>
+              <a:ext uri="{28A0092B-C50C-407E-A947-70E740481C1C}">
+                <a14:useLocalDpi xmlns:a14="http://schemas.microsoft.com/office/drawing/2010/main" val="0"/>
+              </a:ext>
+            </a:extLst>
+          </a:blip>
+          <a:stretch>
+            <a:fillRect/>
+          </a:stretch>
+        </p:blipFill>
+        <p:spPr>
+          <a:xfrm>
+            <a:off x="403061" y="309282"/>
+            <a:ext cx="3893764" cy="6078071"/>
+          </a:xfrm>
+          <a:prstGeom prst="rect">
+            <a:avLst/>
+          </a:prstGeom>
+        </p:spPr>
+      </p:pic>
+    </p:spTree>
+    <p:extLst>
+      <p:ext uri="{BB962C8B-B14F-4D97-AF65-F5344CB8AC3E}">
+        <p14:creationId xmlns:p14="http://schemas.microsoft.com/office/powerpoint/2010/main" val="3351012670"/>
+      </p:ext>
+    </p:extLst>
+  </p:cSld>
+  <p:clrMapOvr>
+    <a:masterClrMapping/>
+  </p:clrMapOvr>
+</p:sld>
+</file>
+
+<file path=ppt/slides/slide6.xml><?xml version="1.0" encoding="utf-8"?>
+<p:sld xmlns:a="http://schemas.openxmlformats.org/drawingml/2006/main" xmlns:r="http://schemas.openxmlformats.org/officeDocument/2006/relationships" xmlns:p="http://schemas.openxmlformats.org/presentationml/2006/main">
+  <p:cSld>
+    <p:spTree>
+      <p:nvGrpSpPr>
+        <p:cNvPr id="1" name=""/>
+        <p:cNvGrpSpPr/>
+        <p:nvPr/>
+      </p:nvGrpSpPr>
+      <p:grpSpPr>
+        <a:xfrm>
+          <a:off x="0" y="0"/>
+          <a:ext cx="0" cy="0"/>
+          <a:chOff x="0" y="0"/>
+          <a:chExt cx="0" cy="0"/>
+        </a:xfrm>
+      </p:grpSpPr>
+      <p:pic>
+        <p:nvPicPr>
           <p:cNvPr id="12" name="Picture 11"/>
           <p:cNvPicPr>
             <a:picLocks noChangeAspect="1"/>
@@ -10193,7 +11441,67 @@
 </p:sld>
 </file>
 
-<file path=ppt/slides/slide6.xml><?xml version="1.0" encoding="utf-8"?>
+<file path=ppt/slides/slide7.xml><?xml version="1.0" encoding="utf-8"?>
+<p:sld xmlns:a="http://schemas.openxmlformats.org/drawingml/2006/main" xmlns:r="http://schemas.openxmlformats.org/officeDocument/2006/relationships" xmlns:p="http://schemas.openxmlformats.org/presentationml/2006/main">
+  <p:cSld>
+    <p:spTree>
+      <p:nvGrpSpPr>
+        <p:cNvPr id="1" name=""/>
+        <p:cNvGrpSpPr/>
+        <p:nvPr/>
+      </p:nvGrpSpPr>
+      <p:grpSpPr>
+        <a:xfrm>
+          <a:off x="0" y="0"/>
+          <a:ext cx="0" cy="0"/>
+          <a:chOff x="0" y="0"/>
+          <a:chExt cx="0" cy="0"/>
+        </a:xfrm>
+      </p:grpSpPr>
+      <p:pic>
+        <p:nvPicPr>
+          <p:cNvPr id="4" name="Picture 3"/>
+          <p:cNvPicPr>
+            <a:picLocks noChangeAspect="1"/>
+          </p:cNvPicPr>
+          <p:nvPr/>
+        </p:nvPicPr>
+        <p:blipFill>
+          <a:blip r:embed="rId2">
+            <a:extLst>
+              <a:ext uri="{28A0092B-C50C-407E-A947-70E740481C1C}">
+                <a14:useLocalDpi xmlns:a14="http://schemas.microsoft.com/office/drawing/2010/main" val="0"/>
+              </a:ext>
+            </a:extLst>
+          </a:blip>
+          <a:stretch>
+            <a:fillRect/>
+          </a:stretch>
+        </p:blipFill>
+        <p:spPr>
+          <a:xfrm>
+            <a:off x="403062" y="268940"/>
+            <a:ext cx="3997138" cy="6239435"/>
+          </a:xfrm>
+          <a:prstGeom prst="rect">
+            <a:avLst/>
+          </a:prstGeom>
+        </p:spPr>
+      </p:pic>
+    </p:spTree>
+    <p:extLst>
+      <p:ext uri="{BB962C8B-B14F-4D97-AF65-F5344CB8AC3E}">
+        <p14:creationId xmlns:p14="http://schemas.microsoft.com/office/powerpoint/2010/main" val="2521167656"/>
+      </p:ext>
+    </p:extLst>
+  </p:cSld>
+  <p:clrMapOvr>
+    <a:masterClrMapping/>
+  </p:clrMapOvr>
+</p:sld>
+</file>
+
+<file path=ppt/slides/slide8.xml><?xml version="1.0" encoding="utf-8"?>
 <p:sld xmlns:a="http://schemas.openxmlformats.org/drawingml/2006/main" xmlns:r="http://schemas.openxmlformats.org/officeDocument/2006/relationships" xmlns:p="http://schemas.openxmlformats.org/presentationml/2006/main">
   <p:cSld>
     <p:spTree>
@@ -10535,7 +11843,7 @@
 </p:sld>
 </file>
 
-<file path=ppt/slides/slide7.xml><?xml version="1.0" encoding="utf-8"?>
+<file path=ppt/slides/slide9.xml><?xml version="1.0" encoding="utf-8"?>
 <p:sld xmlns:a="http://schemas.openxmlformats.org/drawingml/2006/main" xmlns:r="http://schemas.openxmlformats.org/officeDocument/2006/relationships" xmlns:p="http://schemas.openxmlformats.org/presentationml/2006/main">
   <p:cSld>
     <p:spTree>
@@ -11318,1196 +12626,6 @@
     <p:extLst>
       <p:ext uri="{BB962C8B-B14F-4D97-AF65-F5344CB8AC3E}">
         <p14:creationId xmlns:p14="http://schemas.microsoft.com/office/powerpoint/2010/main" val="2244680773"/>
-      </p:ext>
-    </p:extLst>
-  </p:cSld>
-  <p:clrMapOvr>
-    <a:masterClrMapping/>
-  </p:clrMapOvr>
-  <p:timing>
-    <p:tnLst>
-      <p:par>
-        <p:cTn id="1" dur="indefinite" restart="never" nodeType="tmRoot"/>
-      </p:par>
-    </p:tnLst>
-  </p:timing>
-</p:sld>
-</file>
-
-<file path=ppt/slides/slide8.xml><?xml version="1.0" encoding="utf-8"?>
-<p:sld xmlns:a="http://schemas.openxmlformats.org/drawingml/2006/main" xmlns:r="http://schemas.openxmlformats.org/officeDocument/2006/relationships" xmlns:p="http://schemas.openxmlformats.org/presentationml/2006/main">
-  <p:cSld>
-    <p:spTree>
-      <p:nvGrpSpPr>
-        <p:cNvPr id="1" name=""/>
-        <p:cNvGrpSpPr/>
-        <p:nvPr/>
-      </p:nvGrpSpPr>
-      <p:grpSpPr>
-        <a:xfrm>
-          <a:off x="0" y="0"/>
-          <a:ext cx="0" cy="0"/>
-          <a:chOff x="0" y="0"/>
-          <a:chExt cx="0" cy="0"/>
-        </a:xfrm>
-      </p:grpSpPr>
-      <p:pic>
-        <p:nvPicPr>
-          <p:cNvPr id="4" name="Picture 3"/>
-          <p:cNvPicPr>
-            <a:picLocks noChangeAspect="1"/>
-          </p:cNvPicPr>
-          <p:nvPr/>
-        </p:nvPicPr>
-        <p:blipFill>
-          <a:blip r:embed="rId2" cstate="print">
-            <a:extLst>
-              <a:ext uri="{28A0092B-C50C-407E-A947-70E740481C1C}">
-                <a14:useLocalDpi xmlns:a14="http://schemas.microsoft.com/office/drawing/2010/main" val="0"/>
-              </a:ext>
-            </a:extLst>
-          </a:blip>
-          <a:stretch>
-            <a:fillRect/>
-          </a:stretch>
-        </p:blipFill>
-        <p:spPr>
-          <a:xfrm>
-            <a:off x="317500" y="203200"/>
-            <a:ext cx="4027289" cy="6286500"/>
-          </a:xfrm>
-          <a:prstGeom prst="rect">
-            <a:avLst/>
-          </a:prstGeom>
-        </p:spPr>
-      </p:pic>
-      <p:sp>
-        <p:nvSpPr>
-          <p:cNvPr id="3" name="TextBox 2"/>
-          <p:cNvSpPr txBox="1"/>
-          <p:nvPr/>
-        </p:nvSpPr>
-        <p:spPr>
-          <a:xfrm>
-            <a:off x="5324473" y="1310793"/>
-            <a:ext cx="6867527" cy="1754326"/>
-          </a:xfrm>
-          <a:prstGeom prst="rect">
-            <a:avLst/>
-          </a:prstGeom>
-          <a:noFill/>
-        </p:spPr>
-        <p:txBody>
-          <a:bodyPr wrap="square" rtlCol="0">
-            <a:spAutoFit/>
-          </a:bodyPr>
-          <a:lstStyle/>
-          <a:p>
-            <a:r>
-              <a:rPr lang="en-US" dirty="0" err="1" smtClean="0"/>
-              <a:t>Yêu</a:t>
-            </a:r>
-            <a:r>
-              <a:rPr lang="en-US" dirty="0" smtClean="0"/>
-              <a:t> </a:t>
-            </a:r>
-            <a:r>
-              <a:rPr lang="en-US" dirty="0" err="1" smtClean="0"/>
-              <a:t>cầu</a:t>
-            </a:r>
-            <a:r>
-              <a:rPr lang="en-US" dirty="0" smtClean="0"/>
-              <a:t>: </a:t>
-            </a:r>
-          </a:p>
-          <a:p>
-            <a:r>
-              <a:rPr lang="en-US" dirty="0" smtClean="0"/>
-              <a:t>+ User </a:t>
-            </a:r>
-            <a:r>
-              <a:rPr lang="en-US" dirty="0" err="1" smtClean="0"/>
-              <a:t>chọn</a:t>
-            </a:r>
-            <a:r>
-              <a:rPr lang="en-US" dirty="0" smtClean="0"/>
-              <a:t> </a:t>
-            </a:r>
-            <a:r>
-              <a:rPr lang="en-US" dirty="0" err="1" smtClean="0"/>
-              <a:t>vào</a:t>
-            </a:r>
-            <a:r>
-              <a:rPr lang="en-US" dirty="0" smtClean="0"/>
-              <a:t> ô </a:t>
-            </a:r>
-            <a:r>
-              <a:rPr lang="en-US" dirty="0" err="1" smtClean="0"/>
-              <a:t>Tất</a:t>
-            </a:r>
-            <a:r>
-              <a:rPr lang="en-US" dirty="0" smtClean="0"/>
-              <a:t> </a:t>
-            </a:r>
-            <a:r>
-              <a:rPr lang="en-US" dirty="0" err="1" smtClean="0"/>
-              <a:t>cả</a:t>
-            </a:r>
-            <a:r>
-              <a:rPr lang="en-US" dirty="0" smtClean="0"/>
-              <a:t> =&gt; </a:t>
-            </a:r>
-            <a:r>
-              <a:rPr lang="en-US" dirty="0" err="1" smtClean="0"/>
-              <a:t>chọn</a:t>
-            </a:r>
-            <a:r>
-              <a:rPr lang="en-US" dirty="0" smtClean="0"/>
-              <a:t> 1 </a:t>
-            </a:r>
-            <a:r>
-              <a:rPr lang="en-US" dirty="0" err="1" smtClean="0"/>
-              <a:t>tiêu</a:t>
-            </a:r>
-            <a:r>
-              <a:rPr lang="en-US" dirty="0" smtClean="0"/>
-              <a:t> </a:t>
-            </a:r>
-            <a:r>
-              <a:rPr lang="en-US" dirty="0" err="1" smtClean="0"/>
-              <a:t>chí</a:t>
-            </a:r>
-            <a:r>
-              <a:rPr lang="en-US" dirty="0" smtClean="0"/>
-              <a:t> </a:t>
-            </a:r>
-            <a:r>
-              <a:rPr lang="en-US" dirty="0" err="1" smtClean="0"/>
-              <a:t>để</a:t>
-            </a:r>
-            <a:r>
-              <a:rPr lang="en-US" dirty="0" smtClean="0"/>
-              <a:t> </a:t>
-            </a:r>
-            <a:r>
-              <a:rPr lang="en-US" dirty="0" err="1" smtClean="0"/>
-              <a:t>tìm</a:t>
-            </a:r>
-            <a:r>
-              <a:rPr lang="en-US" dirty="0" smtClean="0"/>
-              <a:t> </a:t>
-            </a:r>
-            <a:r>
-              <a:rPr lang="en-US" dirty="0" err="1" smtClean="0"/>
-              <a:t>kiếm</a:t>
-            </a:r>
-            <a:endParaRPr lang="en-US" dirty="0" smtClean="0"/>
-          </a:p>
-          <a:p>
-            <a:r>
-              <a:rPr lang="en-US" dirty="0" smtClean="0"/>
-              <a:t>+ </a:t>
-            </a:r>
-            <a:r>
-              <a:rPr lang="en-US" dirty="0" err="1" smtClean="0"/>
-              <a:t>Các</a:t>
-            </a:r>
-            <a:r>
-              <a:rPr lang="en-US" dirty="0" smtClean="0"/>
-              <a:t> </a:t>
-            </a:r>
-            <a:r>
-              <a:rPr lang="en-US" dirty="0" err="1" smtClean="0"/>
-              <a:t>tiêu</a:t>
-            </a:r>
-            <a:r>
-              <a:rPr lang="en-US" dirty="0" smtClean="0"/>
-              <a:t> </a:t>
-            </a:r>
-            <a:r>
-              <a:rPr lang="en-US" dirty="0" err="1" smtClean="0"/>
-              <a:t>chí</a:t>
-            </a:r>
-            <a:r>
-              <a:rPr lang="en-US" dirty="0" smtClean="0"/>
-              <a:t> </a:t>
-            </a:r>
-            <a:r>
-              <a:rPr lang="en-US" dirty="0" err="1" smtClean="0"/>
-              <a:t>có</a:t>
-            </a:r>
-            <a:r>
-              <a:rPr lang="en-US" dirty="0" smtClean="0"/>
-              <a:t> </a:t>
-            </a:r>
-            <a:r>
-              <a:rPr lang="en-US" dirty="0" err="1" smtClean="0"/>
-              <a:t>thể</a:t>
-            </a:r>
-            <a:r>
-              <a:rPr lang="en-US" dirty="0" smtClean="0"/>
-              <a:t> </a:t>
-            </a:r>
-            <a:r>
-              <a:rPr lang="en-US" dirty="0" err="1" smtClean="0"/>
-              <a:t>lựa</a:t>
-            </a:r>
-            <a:r>
-              <a:rPr lang="en-US" dirty="0" smtClean="0"/>
-              <a:t> </a:t>
-            </a:r>
-            <a:r>
-              <a:rPr lang="en-US" dirty="0" err="1" smtClean="0"/>
-              <a:t>chọn</a:t>
-            </a:r>
-            <a:r>
-              <a:rPr lang="en-US" dirty="0" smtClean="0"/>
-              <a:t> </a:t>
-            </a:r>
-            <a:r>
-              <a:rPr lang="en-US" dirty="0" err="1" smtClean="0"/>
-              <a:t>để</a:t>
-            </a:r>
-            <a:r>
-              <a:rPr lang="en-US" dirty="0" smtClean="0"/>
-              <a:t> </a:t>
-            </a:r>
-            <a:r>
-              <a:rPr lang="en-US" dirty="0" err="1" smtClean="0"/>
-              <a:t>tìm</a:t>
-            </a:r>
-            <a:r>
-              <a:rPr lang="en-US" dirty="0" smtClean="0"/>
-              <a:t> </a:t>
-            </a:r>
-            <a:r>
-              <a:rPr lang="en-US" dirty="0" err="1" smtClean="0"/>
-              <a:t>kiếm</a:t>
-            </a:r>
-            <a:r>
-              <a:rPr lang="en-US" dirty="0" smtClean="0"/>
-              <a:t>: </a:t>
-            </a:r>
-            <a:r>
-              <a:rPr lang="en-US" dirty="0" err="1" smtClean="0"/>
-              <a:t>Tên</a:t>
-            </a:r>
-            <a:r>
-              <a:rPr lang="en-US" dirty="0" smtClean="0"/>
-              <a:t> </a:t>
-            </a:r>
-            <a:r>
-              <a:rPr lang="en-US" dirty="0" err="1" smtClean="0"/>
-              <a:t>công</a:t>
-            </a:r>
-            <a:r>
-              <a:rPr lang="en-US" dirty="0" smtClean="0"/>
-              <a:t> </a:t>
-            </a:r>
-            <a:r>
-              <a:rPr lang="en-US" dirty="0" err="1" smtClean="0"/>
-              <a:t>việc</a:t>
-            </a:r>
-            <a:r>
-              <a:rPr lang="en-US" dirty="0" smtClean="0"/>
-              <a:t>, </a:t>
-            </a:r>
-            <a:r>
-              <a:rPr lang="en-US" dirty="0" err="1" smtClean="0"/>
-              <a:t>Người</a:t>
-            </a:r>
-            <a:r>
-              <a:rPr lang="en-US" dirty="0" smtClean="0"/>
-              <a:t> </a:t>
-            </a:r>
-            <a:r>
-              <a:rPr lang="en-US" dirty="0" err="1" smtClean="0"/>
-              <a:t>giao</a:t>
-            </a:r>
-            <a:r>
-              <a:rPr lang="en-US" dirty="0" smtClean="0"/>
-              <a:t>, </a:t>
-            </a:r>
-            <a:r>
-              <a:rPr lang="en-US" dirty="0" err="1" smtClean="0"/>
-              <a:t>Người</a:t>
-            </a:r>
-            <a:r>
-              <a:rPr lang="en-US" dirty="0" smtClean="0"/>
-              <a:t> </a:t>
-            </a:r>
-            <a:r>
-              <a:rPr lang="en-US" dirty="0" err="1" smtClean="0"/>
-              <a:t>được</a:t>
-            </a:r>
-            <a:r>
-              <a:rPr lang="en-US" dirty="0" smtClean="0"/>
-              <a:t> </a:t>
-            </a:r>
-            <a:r>
-              <a:rPr lang="en-US" dirty="0" err="1" smtClean="0"/>
-              <a:t>giao</a:t>
-            </a:r>
-            <a:r>
-              <a:rPr lang="en-US" dirty="0" smtClean="0"/>
-              <a:t>.</a:t>
-            </a:r>
-          </a:p>
-          <a:p>
-            <a:r>
-              <a:rPr lang="en-US" dirty="0" smtClean="0"/>
-              <a:t>+ </a:t>
-            </a:r>
-            <a:r>
-              <a:rPr lang="en-US" dirty="0" err="1" smtClean="0"/>
-              <a:t>Danh</a:t>
-            </a:r>
-            <a:r>
-              <a:rPr lang="en-US" dirty="0" smtClean="0"/>
-              <a:t> </a:t>
-            </a:r>
-            <a:r>
-              <a:rPr lang="en-US" dirty="0" err="1" smtClean="0"/>
-              <a:t>sách</a:t>
-            </a:r>
-            <a:r>
-              <a:rPr lang="en-US" dirty="0" smtClean="0"/>
-              <a:t> </a:t>
-            </a:r>
-            <a:r>
-              <a:rPr lang="en-US" dirty="0" err="1" smtClean="0"/>
-              <a:t>các</a:t>
-            </a:r>
-            <a:r>
-              <a:rPr lang="en-US" dirty="0" smtClean="0"/>
-              <a:t> </a:t>
-            </a:r>
-            <a:r>
-              <a:rPr lang="en-US" dirty="0" err="1" smtClean="0"/>
-              <a:t>công</a:t>
-            </a:r>
-            <a:r>
-              <a:rPr lang="en-US" dirty="0" smtClean="0"/>
-              <a:t> </a:t>
-            </a:r>
-            <a:r>
-              <a:rPr lang="en-US" dirty="0" err="1" smtClean="0"/>
-              <a:t>việc</a:t>
-            </a:r>
-            <a:r>
-              <a:rPr lang="en-US" dirty="0" smtClean="0"/>
-              <a:t> </a:t>
-            </a:r>
-            <a:r>
-              <a:rPr lang="en-US" dirty="0" err="1" smtClean="0"/>
-              <a:t>tìm</a:t>
-            </a:r>
-            <a:r>
-              <a:rPr lang="en-US" dirty="0" smtClean="0"/>
-              <a:t> </a:t>
-            </a:r>
-            <a:r>
-              <a:rPr lang="en-US" dirty="0" err="1" smtClean="0"/>
-              <a:t>thấy</a:t>
-            </a:r>
-            <a:r>
-              <a:rPr lang="en-US" dirty="0" smtClean="0"/>
-              <a:t> </a:t>
-            </a:r>
-            <a:r>
-              <a:rPr lang="en-US" dirty="0" err="1" smtClean="0"/>
-              <a:t>được</a:t>
-            </a:r>
-            <a:r>
-              <a:rPr lang="en-US" dirty="0" smtClean="0"/>
-              <a:t> </a:t>
-            </a:r>
-            <a:r>
-              <a:rPr lang="en-US" dirty="0" err="1" smtClean="0"/>
-              <a:t>hiển</a:t>
-            </a:r>
-            <a:r>
-              <a:rPr lang="en-US" dirty="0" smtClean="0"/>
-              <a:t> </a:t>
-            </a:r>
-            <a:r>
-              <a:rPr lang="en-US" dirty="0" err="1" smtClean="0"/>
-              <a:t>thị</a:t>
-            </a:r>
-            <a:r>
-              <a:rPr lang="en-US" dirty="0" smtClean="0"/>
-              <a:t> </a:t>
-            </a:r>
-            <a:r>
-              <a:rPr lang="en-US" dirty="0" err="1" smtClean="0"/>
-              <a:t>trong</a:t>
-            </a:r>
-            <a:r>
-              <a:rPr lang="en-US" dirty="0" smtClean="0"/>
-              <a:t> layout </a:t>
-            </a:r>
-            <a:r>
-              <a:rPr lang="en-US" dirty="0" err="1" smtClean="0"/>
-              <a:t>như</a:t>
-            </a:r>
-            <a:r>
-              <a:rPr lang="en-US" dirty="0" smtClean="0"/>
-              <a:t> </a:t>
-            </a:r>
-            <a:r>
-              <a:rPr lang="en-US" dirty="0" err="1" smtClean="0"/>
-              <a:t>hình</a:t>
-            </a:r>
-            <a:r>
-              <a:rPr lang="en-US" dirty="0" smtClean="0"/>
-              <a:t> </a:t>
-            </a:r>
-            <a:r>
-              <a:rPr lang="en-US" dirty="0" err="1" smtClean="0"/>
-              <a:t>vẽ</a:t>
-            </a:r>
-            <a:r>
-              <a:rPr lang="en-US" dirty="0" smtClean="0"/>
-              <a:t>: </a:t>
-            </a:r>
-            <a:r>
-              <a:rPr lang="en-US" dirty="0" err="1" smtClean="0"/>
-              <a:t>gồm</a:t>
-            </a:r>
-            <a:r>
-              <a:rPr lang="en-US" dirty="0" smtClean="0"/>
-              <a:t> </a:t>
-            </a:r>
-            <a:r>
-              <a:rPr lang="en-US" dirty="0" err="1" smtClean="0"/>
-              <a:t>Tên</a:t>
-            </a:r>
-            <a:r>
-              <a:rPr lang="en-US" dirty="0" smtClean="0"/>
-              <a:t> </a:t>
-            </a:r>
-            <a:r>
-              <a:rPr lang="en-US" dirty="0" err="1" smtClean="0"/>
-              <a:t>công</a:t>
-            </a:r>
-            <a:r>
-              <a:rPr lang="en-US" dirty="0" smtClean="0"/>
-              <a:t> </a:t>
-            </a:r>
-            <a:r>
-              <a:rPr lang="en-US" dirty="0" err="1" smtClean="0"/>
-              <a:t>việc</a:t>
-            </a:r>
-            <a:r>
-              <a:rPr lang="en-US" dirty="0" smtClean="0"/>
-              <a:t> </a:t>
-            </a:r>
-            <a:r>
-              <a:rPr lang="en-US" dirty="0" err="1" smtClean="0"/>
-              <a:t>và</a:t>
-            </a:r>
-            <a:r>
-              <a:rPr lang="en-US" dirty="0" smtClean="0"/>
-              <a:t> </a:t>
-            </a:r>
-            <a:r>
-              <a:rPr lang="en-US" dirty="0" err="1" smtClean="0"/>
-              <a:t>Hạn</a:t>
-            </a:r>
-            <a:r>
-              <a:rPr lang="en-US" dirty="0" smtClean="0"/>
-              <a:t> </a:t>
-            </a:r>
-            <a:r>
-              <a:rPr lang="en-US" dirty="0" err="1" smtClean="0"/>
-              <a:t>cuối</a:t>
-            </a:r>
-            <a:r>
-              <a:rPr lang="en-US" dirty="0" smtClean="0"/>
-              <a:t> </a:t>
-            </a:r>
-            <a:r>
-              <a:rPr lang="en-US" dirty="0" err="1" smtClean="0"/>
-              <a:t>của</a:t>
-            </a:r>
-            <a:r>
-              <a:rPr lang="en-US" dirty="0" smtClean="0"/>
-              <a:t> </a:t>
-            </a:r>
-            <a:r>
-              <a:rPr lang="en-US" dirty="0" err="1" smtClean="0"/>
-              <a:t>công</a:t>
-            </a:r>
-            <a:r>
-              <a:rPr lang="en-US" dirty="0" smtClean="0"/>
-              <a:t> </a:t>
-            </a:r>
-            <a:r>
-              <a:rPr lang="en-US" dirty="0" err="1" smtClean="0"/>
-              <a:t>việc</a:t>
-            </a:r>
-            <a:r>
-              <a:rPr lang="en-US" dirty="0" smtClean="0"/>
-              <a:t>.</a:t>
-            </a:r>
-            <a:endParaRPr lang="en-US" dirty="0"/>
-          </a:p>
-        </p:txBody>
-      </p:sp>
-      <p:sp>
-        <p:nvSpPr>
-          <p:cNvPr id="5" name="TextBox 4"/>
-          <p:cNvSpPr txBox="1"/>
-          <p:nvPr/>
-        </p:nvSpPr>
-        <p:spPr>
-          <a:xfrm>
-            <a:off x="6031590" y="215612"/>
-            <a:ext cx="3424527" cy="584775"/>
-          </a:xfrm>
-          <a:prstGeom prst="rect">
-            <a:avLst/>
-          </a:prstGeom>
-          <a:noFill/>
-        </p:spPr>
-        <p:txBody>
-          <a:bodyPr wrap="none" rtlCol="0">
-            <a:spAutoFit/>
-          </a:bodyPr>
-          <a:lstStyle/>
-          <a:p>
-            <a:r>
-              <a:rPr lang="en-US" sz="3200" b="1" err="1" smtClean="0"/>
-              <a:t>Tìm</a:t>
-            </a:r>
-            <a:r>
-              <a:rPr lang="en-US" sz="3200" b="1" smtClean="0"/>
-              <a:t> </a:t>
-            </a:r>
-            <a:r>
-              <a:rPr lang="en-US" sz="3200" b="1" err="1" smtClean="0"/>
-              <a:t>kiếm</a:t>
-            </a:r>
-            <a:r>
-              <a:rPr lang="en-US" sz="3200" b="1" smtClean="0"/>
-              <a:t> </a:t>
-            </a:r>
-            <a:r>
-              <a:rPr lang="en-US" sz="3200" b="1" err="1" smtClean="0"/>
-              <a:t>công</a:t>
-            </a:r>
-            <a:r>
-              <a:rPr lang="en-US" sz="3200" b="1" smtClean="0"/>
-              <a:t> </a:t>
-            </a:r>
-            <a:r>
-              <a:rPr lang="en-US" sz="3200" b="1" err="1" smtClean="0"/>
-              <a:t>việc</a:t>
-            </a:r>
-            <a:endParaRPr lang="en-US" sz="3200" b="1"/>
-          </a:p>
-        </p:txBody>
-      </p:sp>
-    </p:spTree>
-    <p:extLst>
-      <p:ext uri="{BB962C8B-B14F-4D97-AF65-F5344CB8AC3E}">
-        <p14:creationId xmlns:p14="http://schemas.microsoft.com/office/powerpoint/2010/main" val="10413093"/>
-      </p:ext>
-    </p:extLst>
-  </p:cSld>
-  <p:clrMapOvr>
-    <a:masterClrMapping/>
-  </p:clrMapOvr>
-  <p:timing>
-    <p:tnLst>
-      <p:par>
-        <p:cTn id="1" dur="indefinite" restart="never" nodeType="tmRoot"/>
-      </p:par>
-    </p:tnLst>
-  </p:timing>
-</p:sld>
-</file>
-
-<file path=ppt/slides/slide9.xml><?xml version="1.0" encoding="utf-8"?>
-<p:sld xmlns:a="http://schemas.openxmlformats.org/drawingml/2006/main" xmlns:r="http://schemas.openxmlformats.org/officeDocument/2006/relationships" xmlns:p="http://schemas.openxmlformats.org/presentationml/2006/main">
-  <p:cSld>
-    <p:spTree>
-      <p:nvGrpSpPr>
-        <p:cNvPr id="1" name=""/>
-        <p:cNvGrpSpPr/>
-        <p:nvPr/>
-      </p:nvGrpSpPr>
-      <p:grpSpPr>
-        <a:xfrm>
-          <a:off x="0" y="0"/>
-          <a:ext cx="0" cy="0"/>
-          <a:chOff x="0" y="0"/>
-          <a:chExt cx="0" cy="0"/>
-        </a:xfrm>
-      </p:grpSpPr>
-      <p:pic>
-        <p:nvPicPr>
-          <p:cNvPr id="4" name="Picture 3"/>
-          <p:cNvPicPr>
-            <a:picLocks noChangeAspect="1"/>
-          </p:cNvPicPr>
-          <p:nvPr/>
-        </p:nvPicPr>
-        <p:blipFill>
-          <a:blip r:embed="rId2" cstate="print">
-            <a:extLst>
-              <a:ext uri="{28A0092B-C50C-407E-A947-70E740481C1C}">
-                <a14:useLocalDpi xmlns:a14="http://schemas.microsoft.com/office/drawing/2010/main" val="0"/>
-              </a:ext>
-            </a:extLst>
-          </a:blip>
-          <a:stretch>
-            <a:fillRect/>
-          </a:stretch>
-        </p:blipFill>
-        <p:spPr>
-          <a:xfrm>
-            <a:off x="419099" y="304800"/>
-            <a:ext cx="3959717" cy="6181022"/>
-          </a:xfrm>
-          <a:prstGeom prst="rect">
-            <a:avLst/>
-          </a:prstGeom>
-        </p:spPr>
-      </p:pic>
-      <p:sp>
-        <p:nvSpPr>
-          <p:cNvPr id="3" name="TextBox 2"/>
-          <p:cNvSpPr txBox="1"/>
-          <p:nvPr/>
-        </p:nvSpPr>
-        <p:spPr>
-          <a:xfrm>
-            <a:off x="5324473" y="1310793"/>
-            <a:ext cx="6867527" cy="1754326"/>
-          </a:xfrm>
-          <a:prstGeom prst="rect">
-            <a:avLst/>
-          </a:prstGeom>
-          <a:noFill/>
-        </p:spPr>
-        <p:txBody>
-          <a:bodyPr wrap="square" rtlCol="0">
-            <a:spAutoFit/>
-          </a:bodyPr>
-          <a:lstStyle/>
-          <a:p>
-            <a:r>
-              <a:rPr lang="en-US" err="1" smtClean="0"/>
-              <a:t>Yêu</a:t>
-            </a:r>
-            <a:r>
-              <a:rPr lang="en-US" smtClean="0"/>
-              <a:t> </a:t>
-            </a:r>
-            <a:r>
-              <a:rPr lang="en-US" err="1" smtClean="0"/>
-              <a:t>cầu</a:t>
-            </a:r>
-            <a:r>
-              <a:rPr lang="en-US" smtClean="0"/>
-              <a:t>: </a:t>
-            </a:r>
-          </a:p>
-          <a:p>
-            <a:r>
-              <a:rPr lang="en-US" smtClean="0"/>
-              <a:t>+ </a:t>
-            </a:r>
-            <a:r>
-              <a:rPr lang="en-US" err="1" smtClean="0"/>
-              <a:t>Đây</a:t>
-            </a:r>
-            <a:r>
-              <a:rPr lang="en-US" smtClean="0"/>
-              <a:t> </a:t>
-            </a:r>
-            <a:r>
-              <a:rPr lang="en-US" err="1" smtClean="0"/>
-              <a:t>là</a:t>
-            </a:r>
-            <a:r>
-              <a:rPr lang="en-US" smtClean="0"/>
-              <a:t> 1 </a:t>
-            </a:r>
-            <a:r>
-              <a:rPr lang="en-US" err="1" smtClean="0"/>
-              <a:t>nhóm</a:t>
-            </a:r>
-            <a:r>
-              <a:rPr lang="en-US" smtClean="0"/>
-              <a:t> </a:t>
-            </a:r>
-            <a:r>
-              <a:rPr lang="en-US" err="1" smtClean="0"/>
-              <a:t>trong</a:t>
-            </a:r>
-            <a:r>
-              <a:rPr lang="en-US" smtClean="0"/>
-              <a:t> 5 </a:t>
-            </a:r>
-            <a:r>
-              <a:rPr lang="en-US" err="1" smtClean="0"/>
-              <a:t>nhóm</a:t>
-            </a:r>
-            <a:r>
-              <a:rPr lang="en-US" smtClean="0"/>
-              <a:t> </a:t>
-            </a:r>
-            <a:r>
-              <a:rPr lang="en-US" err="1" smtClean="0"/>
-              <a:t>danh</a:t>
-            </a:r>
-            <a:r>
-              <a:rPr lang="en-US" smtClean="0"/>
-              <a:t> </a:t>
-            </a:r>
-            <a:r>
-              <a:rPr lang="en-US" err="1" smtClean="0"/>
-              <a:t>sách</a:t>
-            </a:r>
-            <a:r>
-              <a:rPr lang="en-US" smtClean="0"/>
-              <a:t> </a:t>
-            </a:r>
-            <a:r>
-              <a:rPr lang="en-US" err="1" smtClean="0"/>
-              <a:t>công</a:t>
-            </a:r>
-            <a:r>
-              <a:rPr lang="en-US" smtClean="0"/>
-              <a:t> </a:t>
-            </a:r>
-            <a:r>
-              <a:rPr lang="en-US" err="1" smtClean="0"/>
-              <a:t>việc</a:t>
-            </a:r>
-            <a:r>
-              <a:rPr lang="en-US" smtClean="0"/>
-              <a:t>.</a:t>
-            </a:r>
-          </a:p>
-          <a:p>
-            <a:r>
-              <a:rPr lang="en-US" smtClean="0"/>
-              <a:t>+ </a:t>
-            </a:r>
-            <a:r>
-              <a:rPr lang="en-US" err="1" smtClean="0"/>
-              <a:t>Nhóm</a:t>
-            </a:r>
-            <a:r>
-              <a:rPr lang="en-US" smtClean="0"/>
-              <a:t> </a:t>
-            </a:r>
-            <a:r>
-              <a:rPr lang="en-US" err="1" smtClean="0"/>
-              <a:t>Tất</a:t>
-            </a:r>
-            <a:r>
-              <a:rPr lang="en-US" smtClean="0"/>
-              <a:t> </a:t>
-            </a:r>
-            <a:r>
-              <a:rPr lang="en-US" err="1" smtClean="0"/>
-              <a:t>cả</a:t>
-            </a:r>
-            <a:r>
-              <a:rPr lang="en-US" smtClean="0"/>
-              <a:t> </a:t>
-            </a:r>
-            <a:r>
-              <a:rPr lang="en-US" err="1" smtClean="0"/>
-              <a:t>hiển</a:t>
-            </a:r>
-            <a:r>
-              <a:rPr lang="en-US" smtClean="0"/>
-              <a:t> </a:t>
-            </a:r>
-            <a:r>
-              <a:rPr lang="en-US" err="1" smtClean="0"/>
-              <a:t>thị</a:t>
-            </a:r>
-            <a:r>
-              <a:rPr lang="en-US" smtClean="0"/>
-              <a:t> </a:t>
-            </a:r>
-            <a:r>
-              <a:rPr lang="en-US" err="1" smtClean="0"/>
-              <a:t>danh</a:t>
-            </a:r>
-            <a:r>
-              <a:rPr lang="en-US" smtClean="0"/>
-              <a:t> </a:t>
-            </a:r>
-            <a:r>
-              <a:rPr lang="en-US" err="1" smtClean="0"/>
-              <a:t>sách</a:t>
-            </a:r>
-            <a:r>
-              <a:rPr lang="en-US" smtClean="0"/>
-              <a:t> </a:t>
-            </a:r>
-            <a:r>
-              <a:rPr lang="en-US" err="1" smtClean="0"/>
-              <a:t>công</a:t>
-            </a:r>
-            <a:r>
-              <a:rPr lang="en-US" smtClean="0"/>
-              <a:t> </a:t>
-            </a:r>
-            <a:r>
-              <a:rPr lang="en-US" err="1" smtClean="0"/>
-              <a:t>việc</a:t>
-            </a:r>
-            <a:r>
-              <a:rPr lang="en-US" smtClean="0"/>
-              <a:t> </a:t>
-            </a:r>
-            <a:r>
-              <a:rPr lang="en-US" err="1" smtClean="0"/>
-              <a:t>theo</a:t>
-            </a:r>
-            <a:r>
-              <a:rPr lang="en-US" smtClean="0"/>
-              <a:t> layout </a:t>
-            </a:r>
-            <a:r>
-              <a:rPr lang="en-US" err="1" smtClean="0"/>
-              <a:t>như</a:t>
-            </a:r>
-            <a:r>
-              <a:rPr lang="en-US" smtClean="0"/>
-              <a:t> </a:t>
-            </a:r>
-            <a:r>
-              <a:rPr lang="en-US" err="1" smtClean="0"/>
-              <a:t>trong</a:t>
-            </a:r>
-            <a:r>
-              <a:rPr lang="en-US" smtClean="0"/>
-              <a:t> </a:t>
-            </a:r>
-            <a:r>
-              <a:rPr lang="en-US" err="1" smtClean="0"/>
-              <a:t>hình</a:t>
-            </a:r>
-            <a:r>
-              <a:rPr lang="en-US" smtClean="0"/>
-              <a:t> </a:t>
-            </a:r>
-            <a:r>
-              <a:rPr lang="en-US" err="1" smtClean="0"/>
-              <a:t>vẽ</a:t>
-            </a:r>
-            <a:r>
-              <a:rPr lang="en-US" smtClean="0"/>
-              <a:t>: </a:t>
-            </a:r>
-            <a:r>
-              <a:rPr lang="en-US" err="1" smtClean="0"/>
-              <a:t>gồm</a:t>
-            </a:r>
-            <a:r>
-              <a:rPr lang="en-US" smtClean="0"/>
-              <a:t> </a:t>
-            </a:r>
-            <a:r>
-              <a:rPr lang="en-US" err="1" smtClean="0"/>
-              <a:t>Tên</a:t>
-            </a:r>
-            <a:r>
-              <a:rPr lang="en-US" smtClean="0"/>
-              <a:t> </a:t>
-            </a:r>
-            <a:r>
-              <a:rPr lang="en-US" err="1" smtClean="0"/>
-              <a:t>công</a:t>
-            </a:r>
-            <a:r>
-              <a:rPr lang="en-US" smtClean="0"/>
-              <a:t> </a:t>
-            </a:r>
-            <a:r>
-              <a:rPr lang="en-US" err="1" smtClean="0"/>
-              <a:t>việc</a:t>
-            </a:r>
-            <a:r>
-              <a:rPr lang="en-US" smtClean="0"/>
-              <a:t> </a:t>
-            </a:r>
-            <a:r>
-              <a:rPr lang="en-US" err="1" smtClean="0"/>
-              <a:t>và</a:t>
-            </a:r>
-            <a:r>
-              <a:rPr lang="en-US" smtClean="0"/>
-              <a:t> </a:t>
-            </a:r>
-            <a:r>
-              <a:rPr lang="en-US" err="1" smtClean="0"/>
-              <a:t>Hạn</a:t>
-            </a:r>
-            <a:r>
-              <a:rPr lang="en-US" smtClean="0"/>
-              <a:t> </a:t>
-            </a:r>
-            <a:r>
-              <a:rPr lang="en-US" err="1" smtClean="0"/>
-              <a:t>cuối</a:t>
-            </a:r>
-            <a:r>
-              <a:rPr lang="en-US" smtClean="0"/>
-              <a:t>.</a:t>
-            </a:r>
-          </a:p>
-          <a:p>
-            <a:r>
-              <a:rPr lang="en-US" smtClean="0"/>
-              <a:t>+ Ở </a:t>
-            </a:r>
-            <a:r>
-              <a:rPr lang="en-US" err="1" smtClean="0"/>
-              <a:t>nhóm</a:t>
-            </a:r>
-            <a:r>
-              <a:rPr lang="en-US" smtClean="0"/>
-              <a:t> </a:t>
-            </a:r>
-            <a:r>
-              <a:rPr lang="en-US" err="1" smtClean="0"/>
-              <a:t>này</a:t>
-            </a:r>
-            <a:r>
-              <a:rPr lang="en-US" smtClean="0"/>
-              <a:t> </a:t>
-            </a:r>
-            <a:r>
-              <a:rPr lang="en-US" err="1" smtClean="0"/>
-              <a:t>cho</a:t>
-            </a:r>
-            <a:r>
-              <a:rPr lang="en-US" smtClean="0"/>
-              <a:t> </a:t>
-            </a:r>
-            <a:r>
-              <a:rPr lang="en-US" err="1" smtClean="0"/>
-              <a:t>phép</a:t>
-            </a:r>
-            <a:r>
-              <a:rPr lang="en-US" smtClean="0"/>
-              <a:t> </a:t>
-            </a:r>
-            <a:r>
-              <a:rPr lang="en-US" err="1" smtClean="0"/>
-              <a:t>lọc</a:t>
-            </a:r>
-            <a:r>
-              <a:rPr lang="en-US" smtClean="0"/>
-              <a:t> </a:t>
-            </a:r>
-            <a:r>
-              <a:rPr lang="en-US" err="1" smtClean="0"/>
-              <a:t>công</a:t>
-            </a:r>
-            <a:r>
-              <a:rPr lang="en-US" smtClean="0"/>
-              <a:t> </a:t>
-            </a:r>
-            <a:r>
-              <a:rPr lang="en-US" err="1" smtClean="0"/>
-              <a:t>việc</a:t>
-            </a:r>
-            <a:r>
-              <a:rPr lang="en-US" smtClean="0"/>
-              <a:t> </a:t>
-            </a:r>
-            <a:r>
-              <a:rPr lang="en-US" err="1" smtClean="0"/>
-              <a:t>theo</a:t>
-            </a:r>
-            <a:r>
-              <a:rPr lang="en-US" smtClean="0"/>
-              <a:t> </a:t>
-            </a:r>
-            <a:r>
-              <a:rPr lang="en-US" err="1" smtClean="0"/>
-              <a:t>phòng</a:t>
-            </a:r>
-            <a:r>
-              <a:rPr lang="en-US" smtClean="0"/>
-              <a:t> ban – </a:t>
-            </a:r>
-            <a:r>
-              <a:rPr lang="en-US" err="1" smtClean="0"/>
-              <a:t>màn</a:t>
-            </a:r>
-            <a:r>
-              <a:rPr lang="en-US" smtClean="0"/>
-              <a:t> </a:t>
-            </a:r>
-            <a:r>
-              <a:rPr lang="en-US" err="1" smtClean="0"/>
-              <a:t>hình</a:t>
-            </a:r>
-            <a:r>
-              <a:rPr lang="en-US" smtClean="0"/>
-              <a:t> </a:t>
-            </a:r>
-            <a:r>
-              <a:rPr lang="en-US" err="1" smtClean="0"/>
-              <a:t>lọc</a:t>
-            </a:r>
-            <a:r>
-              <a:rPr lang="en-US" smtClean="0"/>
-              <a:t> </a:t>
-            </a:r>
-            <a:r>
-              <a:rPr lang="en-US" err="1" smtClean="0"/>
-              <a:t>theo</a:t>
-            </a:r>
-            <a:r>
-              <a:rPr lang="en-US" smtClean="0"/>
-              <a:t> </a:t>
-            </a:r>
-            <a:r>
-              <a:rPr lang="en-US" err="1" smtClean="0"/>
-              <a:t>phòng</a:t>
-            </a:r>
-            <a:r>
-              <a:rPr lang="en-US" smtClean="0"/>
-              <a:t> </a:t>
-            </a:r>
-            <a:r>
-              <a:rPr lang="en-US" err="1" smtClean="0"/>
-              <a:t>như</a:t>
-            </a:r>
-            <a:r>
-              <a:rPr lang="en-US" smtClean="0"/>
-              <a:t> </a:t>
-            </a:r>
-            <a:r>
-              <a:rPr lang="en-US" err="1" smtClean="0"/>
-              <a:t>hình</a:t>
-            </a:r>
-            <a:r>
-              <a:rPr lang="en-US" smtClean="0"/>
-              <a:t> </a:t>
-            </a:r>
-            <a:r>
-              <a:rPr lang="en-US" err="1" smtClean="0"/>
-              <a:t>phía</a:t>
-            </a:r>
-            <a:r>
-              <a:rPr lang="en-US" smtClean="0"/>
-              <a:t> </a:t>
-            </a:r>
-            <a:r>
-              <a:rPr lang="en-US" err="1" smtClean="0"/>
-              <a:t>sau</a:t>
-            </a:r>
-            <a:r>
-              <a:rPr lang="en-US" smtClean="0"/>
-              <a:t>.</a:t>
-            </a:r>
-            <a:endParaRPr lang="en-US"/>
-          </a:p>
-        </p:txBody>
-      </p:sp>
-      <p:sp>
-        <p:nvSpPr>
-          <p:cNvPr id="5" name="TextBox 4"/>
-          <p:cNvSpPr txBox="1"/>
-          <p:nvPr/>
-        </p:nvSpPr>
-        <p:spPr>
-          <a:xfrm>
-            <a:off x="6031590" y="215612"/>
-            <a:ext cx="3597075" cy="1077218"/>
-          </a:xfrm>
-          <a:prstGeom prst="rect">
-            <a:avLst/>
-          </a:prstGeom>
-          <a:noFill/>
-        </p:spPr>
-        <p:txBody>
-          <a:bodyPr wrap="none" rtlCol="0">
-            <a:spAutoFit/>
-          </a:bodyPr>
-          <a:lstStyle/>
-          <a:p>
-            <a:r>
-              <a:rPr lang="en-US" sz="3200" b="1" err="1" smtClean="0"/>
-              <a:t>Danh</a:t>
-            </a:r>
-            <a:r>
-              <a:rPr lang="en-US" sz="3200" b="1" smtClean="0"/>
-              <a:t> </a:t>
-            </a:r>
-            <a:r>
-              <a:rPr lang="en-US" sz="3200" b="1" err="1" smtClean="0"/>
-              <a:t>sách</a:t>
-            </a:r>
-            <a:r>
-              <a:rPr lang="en-US" sz="3200" b="1" smtClean="0"/>
-              <a:t> </a:t>
-            </a:r>
-            <a:r>
-              <a:rPr lang="en-US" sz="3200" b="1" err="1" smtClean="0"/>
-              <a:t>công</a:t>
-            </a:r>
-            <a:r>
-              <a:rPr lang="en-US" sz="3200" b="1" smtClean="0"/>
-              <a:t> </a:t>
-            </a:r>
-            <a:r>
-              <a:rPr lang="en-US" sz="3200" b="1" err="1" smtClean="0"/>
-              <a:t>việc</a:t>
-            </a:r>
-            <a:endParaRPr lang="en-US" sz="3200" b="1" smtClean="0"/>
-          </a:p>
-          <a:p>
-            <a:r>
-              <a:rPr lang="en-US" sz="3200" b="1"/>
-              <a:t>  </a:t>
-            </a:r>
-            <a:r>
-              <a:rPr lang="en-US" sz="3200" b="1" smtClean="0"/>
-              <a:t>    - </a:t>
-            </a:r>
-            <a:r>
-              <a:rPr lang="en-US" sz="3200" b="1" err="1" smtClean="0"/>
-              <a:t>nhóm</a:t>
-            </a:r>
-            <a:r>
-              <a:rPr lang="en-US" sz="3200" b="1" smtClean="0"/>
-              <a:t> </a:t>
-            </a:r>
-            <a:r>
-              <a:rPr lang="en-US" sz="3200" b="1" err="1" smtClean="0"/>
-              <a:t>Tất</a:t>
-            </a:r>
-            <a:r>
-              <a:rPr lang="en-US" sz="3200" b="1" smtClean="0"/>
-              <a:t> </a:t>
-            </a:r>
-            <a:r>
-              <a:rPr lang="en-US" sz="3200" b="1" err="1" smtClean="0"/>
-              <a:t>cả</a:t>
-            </a:r>
-            <a:endParaRPr lang="en-US" sz="3200" b="1"/>
-          </a:p>
-        </p:txBody>
-      </p:sp>
-    </p:spTree>
-    <p:extLst>
-      <p:ext uri="{BB962C8B-B14F-4D97-AF65-F5344CB8AC3E}">
-        <p14:creationId xmlns:p14="http://schemas.microsoft.com/office/powerpoint/2010/main" val="1408831487"/>
       </p:ext>
     </p:extLst>
   </p:cSld>
